--- a/temp/test_output_option_5.pptx
+++ b/temp/test_output_option_5.pptx
@@ -17,42 +17,25 @@
     <p:sldId id="263" r:id="rId15"/>
     <p:sldId id="264" r:id="rId16"/>
     <p:sldId id="265" r:id="rId17"/>
-    <p:sldId id="266" r:id="rId18"/>
-    <p:sldId id="267" r:id="rId19"/>
-    <p:sldId id="268" r:id="rId20"/>
-    <p:sldId id="269" r:id="rId21"/>
-    <p:sldId id="270" r:id="rId22"/>
-    <p:sldId id="271" r:id="rId23"/>
-    <p:sldId id="272" r:id="rId24"/>
   </p:sldIdLst>
   <p:sldSz cx="9906000" cy="6858000"/>
   <p:notesSz cx="6858000" cy="9144000"/>
   <p:extLst>
     <p:ext uri="{521415D9-36F7-43E2-AB2F-B90AF26B5E84}">
       <p14:sectionLst xmlns:p14="http://schemas.microsoft.com/office/powerpoint/2010/main">
-        <p14:section name="How to Play" id="{A7B9A305-E56C-4D31-8713-6FE76ED99962}">
+        <p14:section name="Overview" id="{D956B1B9-1898-4AB0-A561-8AF5DD739E89}">
           <p14:sldIdLst>
-            <p14:sldId id="260"/>
+            <p14:sldId id="258"/>
           </p14:sldIdLst>
         </p14:section>
-        <p14:section name="Benefits of Playing" id="{5C8395D4-BFBB-49A5-B53F-2D0E526E96E4}">
+        <p14:section name="Overview of Dungeons And Dragons Adventurers League" id="{D217C1B3-EE72-42A8-8FC8-6AB9002E1EE4}">
           <p14:sldIdLst>
-            <p14:sldId id="263"/>
+            <p14:sldId id="262"/>
           </p14:sldIdLst>
         </p14:section>
-        <p14:section name="Conclusion" id="{126D8FA7-2FB3-4766-B7B8-31251D36A496}">
+        <p14:section name="Impact on Renewal of Interest" id="{11DEF247-DF74-43A4-ABF7-6908B66879F1}">
           <p14:sldIdLst>
-            <p14:sldId id="266"/>
-          </p14:sldIdLst>
-        </p14:section>
-        <p14:section name="History of Dungeons And Dragons Adventurers League" id="{BB7F1FDD-9588-4CFF-B5AA-6ED97E80A592}">
-          <p14:sldIdLst>
-            <p14:sldId id="268"/>
-          </p14:sldIdLst>
-        </p14:section>
-        <p14:section name="Success Stories and Impact" id="{8D9B5102-67FB-4E36-9698-42F493F12826}">
-          <p14:sldIdLst>
-            <p14:sldId id="271"/>
+            <p14:sldId id="264"/>
           </p14:sldIdLst>
         </p14:section>
       </p14:sectionLst>
@@ -538,384 +521,6 @@
 </file>
 
 <file path=ppt/notesSlides/notesSlide1.xml><?xml version="1.0" encoding="utf-8"?>
-<p:notes xmlns:a="http://schemas.openxmlformats.org/drawingml/2006/main" xmlns:p="http://schemas.openxmlformats.org/presentationml/2006/main" xmlns:r="http://schemas.openxmlformats.org/officeDocument/2006/relationships">
-  <p:cSld>
-    <p:spTree>
-      <p:nvGrpSpPr>
-        <p:cNvPr id="1" name=""/>
-        <p:cNvGrpSpPr/>
-        <p:nvPr/>
-      </p:nvGrpSpPr>
-      <p:grpSpPr>
-        <a:xfrm>
-          <a:off x="0" y="0"/>
-          <a:ext cx="0" cy="0"/>
-          <a:chOff x="0" y="0"/>
-          <a:chExt cx="0" cy="0"/>
-        </a:xfrm>
-      </p:grpSpPr>
-      <p:sp>
-        <p:nvSpPr>
-          <p:cNvPr id="2" name="Slide Image Placeholder 1"/>
-          <p:cNvSpPr>
-            <a:spLocks noGrp="1"/>
-          </p:cNvSpPr>
-          <p:nvPr>
-            <p:ph type="sldImg"/>
-          </p:nvPr>
-        </p:nvSpPr>
-        <p:spPr/>
-      </p:sp>
-      <p:sp>
-        <p:nvSpPr>
-          <p:cNvPr id="3" name="Notes Placeholder 2"/>
-          <p:cNvSpPr>
-            <a:spLocks noGrp="1"/>
-          </p:cNvSpPr>
-          <p:nvPr>
-            <p:ph type="body" idx="1" sz="quarter"/>
-          </p:nvPr>
-        </p:nvSpPr>
-        <p:spPr/>
-        <p:txBody>
-          <a:bodyPr/>
-          <a:lstStyle/>
-          <a:p/>
-        </p:txBody>
-      </p:sp>
-    </p:spTree>
-  </p:cSld>
-  <p:clrMapOvr>
-    <a:masterClrMapping/>
-  </p:clrMapOvr>
-</p:notes>
-</file>
-
-<file path=ppt/notesSlides/notesSlide10.xml><?xml version="1.0" encoding="utf-8"?>
-<p:notes xmlns:a="http://schemas.openxmlformats.org/drawingml/2006/main" xmlns:p="http://schemas.openxmlformats.org/presentationml/2006/main" xmlns:r="http://schemas.openxmlformats.org/officeDocument/2006/relationships">
-  <p:cSld>
-    <p:spTree>
-      <p:nvGrpSpPr>
-        <p:cNvPr id="1" name=""/>
-        <p:cNvGrpSpPr/>
-        <p:nvPr/>
-      </p:nvGrpSpPr>
-      <p:grpSpPr>
-        <a:xfrm>
-          <a:off x="0" y="0"/>
-          <a:ext cx="0" cy="0"/>
-          <a:chOff x="0" y="0"/>
-          <a:chExt cx="0" cy="0"/>
-        </a:xfrm>
-      </p:grpSpPr>
-      <p:sp>
-        <p:nvSpPr>
-          <p:cNvPr id="2" name="Slide Image Placeholder 1"/>
-          <p:cNvSpPr>
-            <a:spLocks noGrp="1"/>
-          </p:cNvSpPr>
-          <p:nvPr>
-            <p:ph type="sldImg"/>
-          </p:nvPr>
-        </p:nvSpPr>
-        <p:spPr/>
-      </p:sp>
-      <p:sp>
-        <p:nvSpPr>
-          <p:cNvPr id="3" name="Notes Placeholder 2"/>
-          <p:cNvSpPr>
-            <a:spLocks noGrp="1"/>
-          </p:cNvSpPr>
-          <p:nvPr>
-            <p:ph type="body" idx="1" sz="quarter"/>
-          </p:nvPr>
-        </p:nvSpPr>
-        <p:spPr/>
-        <p:txBody>
-          <a:bodyPr/>
-          <a:lstStyle/>
-          <a:p/>
-        </p:txBody>
-      </p:sp>
-    </p:spTree>
-  </p:cSld>
-  <p:clrMapOvr>
-    <a:masterClrMapping/>
-  </p:clrMapOvr>
-</p:notes>
-</file>
-
-<file path=ppt/notesSlides/notesSlide11.xml><?xml version="1.0" encoding="utf-8"?>
-<p:notes xmlns:a="http://schemas.openxmlformats.org/drawingml/2006/main" xmlns:p="http://schemas.openxmlformats.org/presentationml/2006/main" xmlns:r="http://schemas.openxmlformats.org/officeDocument/2006/relationships">
-  <p:cSld>
-    <p:spTree>
-      <p:nvGrpSpPr>
-        <p:cNvPr id="1" name=""/>
-        <p:cNvGrpSpPr/>
-        <p:nvPr/>
-      </p:nvGrpSpPr>
-      <p:grpSpPr>
-        <a:xfrm>
-          <a:off x="0" y="0"/>
-          <a:ext cx="0" cy="0"/>
-          <a:chOff x="0" y="0"/>
-          <a:chExt cx="0" cy="0"/>
-        </a:xfrm>
-      </p:grpSpPr>
-      <p:sp>
-        <p:nvSpPr>
-          <p:cNvPr id="2" name="Slide Image Placeholder 1"/>
-          <p:cNvSpPr>
-            <a:spLocks noGrp="1"/>
-          </p:cNvSpPr>
-          <p:nvPr>
-            <p:ph type="sldImg"/>
-          </p:nvPr>
-        </p:nvSpPr>
-        <p:spPr/>
-      </p:sp>
-      <p:sp>
-        <p:nvSpPr>
-          <p:cNvPr id="3" name="Notes Placeholder 2"/>
-          <p:cNvSpPr>
-            <a:spLocks noGrp="1"/>
-          </p:cNvSpPr>
-          <p:nvPr>
-            <p:ph type="body" idx="1" sz="quarter"/>
-          </p:nvPr>
-        </p:nvSpPr>
-        <p:spPr/>
-        <p:txBody>
-          <a:bodyPr/>
-          <a:lstStyle/>
-          <a:p/>
-        </p:txBody>
-      </p:sp>
-    </p:spTree>
-  </p:cSld>
-  <p:clrMapOvr>
-    <a:masterClrMapping/>
-  </p:clrMapOvr>
-</p:notes>
-</file>
-
-<file path=ppt/notesSlides/notesSlide12.xml><?xml version="1.0" encoding="utf-8"?>
-<p:notes xmlns:a="http://schemas.openxmlformats.org/drawingml/2006/main" xmlns:p="http://schemas.openxmlformats.org/presentationml/2006/main" xmlns:r="http://schemas.openxmlformats.org/officeDocument/2006/relationships">
-  <p:cSld>
-    <p:spTree>
-      <p:nvGrpSpPr>
-        <p:cNvPr id="1" name=""/>
-        <p:cNvGrpSpPr/>
-        <p:nvPr/>
-      </p:nvGrpSpPr>
-      <p:grpSpPr>
-        <a:xfrm>
-          <a:off x="0" y="0"/>
-          <a:ext cx="0" cy="0"/>
-          <a:chOff x="0" y="0"/>
-          <a:chExt cx="0" cy="0"/>
-        </a:xfrm>
-      </p:grpSpPr>
-      <p:sp>
-        <p:nvSpPr>
-          <p:cNvPr id="2" name="Slide Image Placeholder 1"/>
-          <p:cNvSpPr>
-            <a:spLocks noGrp="1"/>
-          </p:cNvSpPr>
-          <p:nvPr>
-            <p:ph type="sldImg"/>
-          </p:nvPr>
-        </p:nvSpPr>
-        <p:spPr/>
-      </p:sp>
-      <p:sp>
-        <p:nvSpPr>
-          <p:cNvPr id="3" name="Notes Placeholder 2"/>
-          <p:cNvSpPr>
-            <a:spLocks noGrp="1"/>
-          </p:cNvSpPr>
-          <p:nvPr>
-            <p:ph type="body" idx="1" sz="quarter"/>
-          </p:nvPr>
-        </p:nvSpPr>
-        <p:spPr/>
-        <p:txBody>
-          <a:bodyPr/>
-          <a:lstStyle/>
-          <a:p/>
-        </p:txBody>
-      </p:sp>
-    </p:spTree>
-  </p:cSld>
-  <p:clrMapOvr>
-    <a:masterClrMapping/>
-  </p:clrMapOvr>
-</p:notes>
-</file>
-
-<file path=ppt/notesSlides/notesSlide13.xml><?xml version="1.0" encoding="utf-8"?>
-<p:notes xmlns:a="http://schemas.openxmlformats.org/drawingml/2006/main" xmlns:p="http://schemas.openxmlformats.org/presentationml/2006/main" xmlns:r="http://schemas.openxmlformats.org/officeDocument/2006/relationships">
-  <p:cSld>
-    <p:spTree>
-      <p:nvGrpSpPr>
-        <p:cNvPr id="1" name=""/>
-        <p:cNvGrpSpPr/>
-        <p:nvPr/>
-      </p:nvGrpSpPr>
-      <p:grpSpPr>
-        <a:xfrm>
-          <a:off x="0" y="0"/>
-          <a:ext cx="0" cy="0"/>
-          <a:chOff x="0" y="0"/>
-          <a:chExt cx="0" cy="0"/>
-        </a:xfrm>
-      </p:grpSpPr>
-      <p:sp>
-        <p:nvSpPr>
-          <p:cNvPr id="2" name="Slide Image Placeholder 1"/>
-          <p:cNvSpPr>
-            <a:spLocks noGrp="1"/>
-          </p:cNvSpPr>
-          <p:nvPr>
-            <p:ph type="sldImg"/>
-          </p:nvPr>
-        </p:nvSpPr>
-        <p:spPr/>
-      </p:sp>
-      <p:sp>
-        <p:nvSpPr>
-          <p:cNvPr id="3" name="Notes Placeholder 2"/>
-          <p:cNvSpPr>
-            <a:spLocks noGrp="1"/>
-          </p:cNvSpPr>
-          <p:nvPr>
-            <p:ph type="body" idx="1" sz="quarter"/>
-          </p:nvPr>
-        </p:nvSpPr>
-        <p:spPr/>
-        <p:txBody>
-          <a:bodyPr/>
-          <a:lstStyle/>
-          <a:p/>
-        </p:txBody>
-      </p:sp>
-    </p:spTree>
-  </p:cSld>
-  <p:clrMapOvr>
-    <a:masterClrMapping/>
-  </p:clrMapOvr>
-</p:notes>
-</file>
-
-<file path=ppt/notesSlides/notesSlide14.xml><?xml version="1.0" encoding="utf-8"?>
-<p:notes xmlns:a="http://schemas.openxmlformats.org/drawingml/2006/main" xmlns:p="http://schemas.openxmlformats.org/presentationml/2006/main" xmlns:r="http://schemas.openxmlformats.org/officeDocument/2006/relationships">
-  <p:cSld>
-    <p:spTree>
-      <p:nvGrpSpPr>
-        <p:cNvPr id="1" name=""/>
-        <p:cNvGrpSpPr/>
-        <p:nvPr/>
-      </p:nvGrpSpPr>
-      <p:grpSpPr>
-        <a:xfrm>
-          <a:off x="0" y="0"/>
-          <a:ext cx="0" cy="0"/>
-          <a:chOff x="0" y="0"/>
-          <a:chExt cx="0" cy="0"/>
-        </a:xfrm>
-      </p:grpSpPr>
-      <p:sp>
-        <p:nvSpPr>
-          <p:cNvPr id="2" name="Slide Image Placeholder 1"/>
-          <p:cNvSpPr>
-            <a:spLocks noGrp="1"/>
-          </p:cNvSpPr>
-          <p:nvPr>
-            <p:ph type="sldImg"/>
-          </p:nvPr>
-        </p:nvSpPr>
-        <p:spPr/>
-      </p:sp>
-      <p:sp>
-        <p:nvSpPr>
-          <p:cNvPr id="3" name="Notes Placeholder 2"/>
-          <p:cNvSpPr>
-            <a:spLocks noGrp="1"/>
-          </p:cNvSpPr>
-          <p:nvPr>
-            <p:ph type="body" idx="1" sz="quarter"/>
-          </p:nvPr>
-        </p:nvSpPr>
-        <p:spPr/>
-        <p:txBody>
-          <a:bodyPr/>
-          <a:lstStyle/>
-          <a:p/>
-        </p:txBody>
-      </p:sp>
-    </p:spTree>
-  </p:cSld>
-  <p:clrMapOvr>
-    <a:masterClrMapping/>
-  </p:clrMapOvr>
-</p:notes>
-</file>
-
-<file path=ppt/notesSlides/notesSlide15.xml><?xml version="1.0" encoding="utf-8"?>
-<p:notes xmlns:a="http://schemas.openxmlformats.org/drawingml/2006/main" xmlns:p="http://schemas.openxmlformats.org/presentationml/2006/main" xmlns:r="http://schemas.openxmlformats.org/officeDocument/2006/relationships">
-  <p:cSld>
-    <p:spTree>
-      <p:nvGrpSpPr>
-        <p:cNvPr id="1" name=""/>
-        <p:cNvGrpSpPr/>
-        <p:nvPr/>
-      </p:nvGrpSpPr>
-      <p:grpSpPr>
-        <a:xfrm>
-          <a:off x="0" y="0"/>
-          <a:ext cx="0" cy="0"/>
-          <a:chOff x="0" y="0"/>
-          <a:chExt cx="0" cy="0"/>
-        </a:xfrm>
-      </p:grpSpPr>
-      <p:sp>
-        <p:nvSpPr>
-          <p:cNvPr id="2" name="Slide Image Placeholder 1"/>
-          <p:cNvSpPr>
-            <a:spLocks noGrp="1"/>
-          </p:cNvSpPr>
-          <p:nvPr>
-            <p:ph type="sldImg"/>
-          </p:nvPr>
-        </p:nvSpPr>
-        <p:spPr/>
-      </p:sp>
-      <p:sp>
-        <p:nvSpPr>
-          <p:cNvPr id="3" name="Notes Placeholder 2"/>
-          <p:cNvSpPr>
-            <a:spLocks noGrp="1"/>
-          </p:cNvSpPr>
-          <p:nvPr>
-            <p:ph type="body" idx="1" sz="quarter"/>
-          </p:nvPr>
-        </p:nvSpPr>
-        <p:spPr/>
-        <p:txBody>
-          <a:bodyPr/>
-          <a:lstStyle/>
-          <a:p/>
-        </p:txBody>
-      </p:sp>
-    </p:spTree>
-  </p:cSld>
-  <p:clrMapOvr>
-    <a:masterClrMapping/>
-  </p:clrMapOvr>
-</p:notes>
-</file>
-
-<file path=ppt/notesSlides/notesSlide16.xml><?xml version="1.0" encoding="utf-8"?>
 <p:notes xmlns:a="http://schemas.openxmlformats.org/drawingml/2006/main" xmlns:p="http://schemas.openxmlformats.org/presentationml/2006/main" xmlns:r="http://schemas.openxmlformats.org/officeDocument/2006/relationships">
   <p:cSld>
     <p:spTree>
@@ -3033,7 +2638,7 @@
               <a:defRPr sz="3000"/>
             </a:pPr>
             <a:r>
-              <a:t>Social Interaction</a:t>
+              <a:t>Contribution to Growth</a:t>
             </a:r>
           </a:p>
         </p:txBody>
@@ -3064,7 +2669,7 @@
               <a:defRPr sz="1800"/>
             </a:pPr>
             <a:r>
-              <a:t>Building friendships and connections</a:t>
+              <a:t>Provided a structured and accessible way for new players to start playing</a:t>
             </a:r>
           </a:p>
           <a:p>
@@ -3072,810 +2677,15 @@
               <a:defRPr sz="1800"/>
             </a:pPr>
             <a:r>
-              <a:t>Creating memorable shared experiences</a:t>
+              <a:t>Created a sense of community among players through shared experiences</a:t>
             </a:r>
           </a:p>
-        </p:txBody>
-      </p:sp>
-    </p:spTree>
-  </p:cSld>
-  <p:clrMapOvr>
-    <a:masterClrMapping/>
-  </p:clrMapOvr>
-</p:sld>
-</file>
-
-<file path=ppt/slides/slide11.xml><?xml version="1.0" encoding="utf-8"?>
-<p:sld xmlns:a="http://schemas.openxmlformats.org/drawingml/2006/main" xmlns:p="http://schemas.openxmlformats.org/presentationml/2006/main" xmlns:r="http://schemas.openxmlformats.org/officeDocument/2006/relationships">
-  <p:cSld>
-    <p:spTree>
-      <p:nvGrpSpPr>
-        <p:cNvPr id="1" name=""/>
-        <p:cNvGrpSpPr/>
-        <p:nvPr/>
-      </p:nvGrpSpPr>
-      <p:grpSpPr/>
-      <p:sp>
-        <p:nvSpPr>
-          <p:cNvPr id="2" name="Title 1"/>
-          <p:cNvSpPr>
-            <a:spLocks noGrp="1"/>
-          </p:cNvSpPr>
-          <p:nvPr>
-            <p:ph type="title"/>
-          </p:nvPr>
-        </p:nvSpPr>
-        <p:spPr/>
-        <p:txBody>
-          <a:bodyPr/>
-          <a:lstStyle/>
-          <a:p>
-            <a:pPr>
-              <a:defRPr sz="4000"/>
-            </a:pPr>
-            <a:r>
-              <a:t>Conclusion</a:t>
-            </a:r>
-          </a:p>
-        </p:txBody>
-      </p:sp>
-      <p:sp>
-        <p:nvSpPr>
-          <p:cNvPr id="3" name="Text Placeholder 2"/>
-          <p:cNvSpPr>
-            <a:spLocks noGrp="1"/>
-          </p:cNvSpPr>
-          <p:nvPr>
-            <p:ph type="body" idx="1"/>
-          </p:nvPr>
-        </p:nvSpPr>
-        <p:spPr/>
-        <p:txBody>
-          <a:bodyPr/>
-          <a:lstStyle/>
-          <a:p>
-            <a:pPr>
-              <a:defRPr sz="2800"/>
-            </a:pPr>
-            <a:r>
-              <a:t>░░░░░░░░░░░░░░░░░░░░░░░░░</a:t>
-            </a:r>
-          </a:p>
-        </p:txBody>
-      </p:sp>
-    </p:spTree>
-  </p:cSld>
-  <p:clrMapOvr>
-    <a:masterClrMapping/>
-  </p:clrMapOvr>
-</p:sld>
-</file>
-
-<file path=ppt/slides/slide12.xml><?xml version="1.0" encoding="utf-8"?>
-<p:sld xmlns:a="http://schemas.openxmlformats.org/drawingml/2006/main" xmlns:p="http://schemas.openxmlformats.org/presentationml/2006/main" xmlns:r="http://schemas.openxmlformats.org/officeDocument/2006/relationships">
-  <p:cSld>
-    <p:spTree>
-      <p:nvGrpSpPr>
-        <p:cNvPr id="1" name=""/>
-        <p:cNvGrpSpPr/>
-        <p:nvPr/>
-      </p:nvGrpSpPr>
-      <p:grpSpPr/>
-      <p:sp>
-        <p:nvSpPr>
-          <p:cNvPr id="2" name="Title 1"/>
-          <p:cNvSpPr>
-            <a:spLocks noGrp="1"/>
-          </p:cNvSpPr>
-          <p:nvPr>
-            <p:ph type="title"/>
-          </p:nvPr>
-        </p:nvSpPr>
-        <p:spPr/>
-        <p:txBody>
-          <a:bodyPr/>
-          <a:lstStyle/>
-          <a:p>
-            <a:pPr>
-              <a:defRPr sz="4000"/>
-            </a:pPr>
-            <a:r>
-              <a:t>Dungeons And Dragons Adventurers League</a:t>
-            </a:r>
-          </a:p>
-        </p:txBody>
-      </p:sp>
-      <p:sp>
-        <p:nvSpPr>
-          <p:cNvPr id="3" name="Text Placeholder 2"/>
-          <p:cNvSpPr>
-            <a:spLocks noGrp="1"/>
-          </p:cNvSpPr>
-          <p:nvPr>
-            <p:ph type="body" idx="1" sz="half"/>
-          </p:nvPr>
-        </p:nvSpPr>
-        <p:spPr/>
-        <p:txBody>
-          <a:bodyPr/>
-          <a:lstStyle/>
-          <a:p>
-            <a:pPr>
-              <a:defRPr sz="2800"/>
-            </a:pPr>
-            <a:r>
-              <a:t>Renewal of Interest in the Game</a:t>
-            </a:r>
-          </a:p>
-        </p:txBody>
-      </p:sp>
-    </p:spTree>
-  </p:cSld>
-  <p:clrMapOvr>
-    <a:masterClrMapping/>
-  </p:clrMapOvr>
-</p:sld>
-</file>
-
-<file path=ppt/slides/slide13.xml><?xml version="1.0" encoding="utf-8"?>
-<p:sld xmlns:a="http://schemas.openxmlformats.org/drawingml/2006/main" xmlns:p="http://schemas.openxmlformats.org/presentationml/2006/main" xmlns:r="http://schemas.openxmlformats.org/officeDocument/2006/relationships">
-  <p:cSld>
-    <p:spTree>
-      <p:nvGrpSpPr>
-        <p:cNvPr id="1" name=""/>
-        <p:cNvGrpSpPr/>
-        <p:nvPr/>
-      </p:nvGrpSpPr>
-      <p:grpSpPr/>
-      <p:sp>
-        <p:nvSpPr>
-          <p:cNvPr id="2" name="Title 1"/>
-          <p:cNvSpPr>
-            <a:spLocks noGrp="1"/>
-          </p:cNvSpPr>
-          <p:nvPr>
-            <p:ph type="title"/>
-          </p:nvPr>
-        </p:nvSpPr>
-        <p:spPr/>
-        <p:txBody>
-          <a:bodyPr/>
-          <a:lstStyle/>
-          <a:p>
-            <a:pPr>
-              <a:defRPr sz="4000"/>
-            </a:pPr>
-            <a:r>
-              <a:t>History of Dungeons And Dragons Adventurers League</a:t>
-            </a:r>
-          </a:p>
-        </p:txBody>
-      </p:sp>
-      <p:sp>
-        <p:nvSpPr>
-          <p:cNvPr id="3" name="Text Placeholder 2"/>
-          <p:cNvSpPr>
-            <a:spLocks noGrp="1"/>
-          </p:cNvSpPr>
-          <p:nvPr>
-            <p:ph type="body" idx="1"/>
-          </p:nvPr>
-        </p:nvSpPr>
-        <p:spPr/>
-        <p:txBody>
-          <a:bodyPr/>
-          <a:lstStyle/>
-          <a:p>
-            <a:pPr>
-              <a:defRPr sz="2800"/>
-            </a:pPr>
-            <a:r>
-              <a:t>A Brief Overview</a:t>
-            </a:r>
-          </a:p>
-        </p:txBody>
-      </p:sp>
-    </p:spTree>
-  </p:cSld>
-  <p:clrMapOvr>
-    <a:masterClrMapping/>
-  </p:clrMapOvr>
-</p:sld>
-</file>
-
-<file path=ppt/slides/slide14.xml><?xml version="1.0" encoding="utf-8"?>
-<p:sld xmlns:a="http://schemas.openxmlformats.org/drawingml/2006/main" xmlns:p="http://schemas.openxmlformats.org/presentationml/2006/main" xmlns:r="http://schemas.openxmlformats.org/officeDocument/2006/relationships">
-  <p:cSld>
-    <p:spTree>
-      <p:nvGrpSpPr>
-        <p:cNvPr id="1" name=""/>
-        <p:cNvGrpSpPr/>
-        <p:nvPr/>
-      </p:nvGrpSpPr>
-      <p:grpSpPr/>
-      <p:sp>
-        <p:nvSpPr>
-          <p:cNvPr id="4" name="Rounded Rectangle 3"/>
-          <p:cNvSpPr/>
-          <p:nvPr/>
-        </p:nvSpPr>
-        <p:spPr>
-          <a:xfrm>
-            <a:off x="182880" y="1183568"/>
-            <a:ext cx="9540240" cy="5308672"/>
-          </a:xfrm>
-          <a:prstGeom prst="roundRect">
-            <a:avLst>
-              <a:gd name="adj" fmla="val 4166"/>
-            </a:avLst>
-          </a:prstGeom>
-          <a:ln>
-            <a:noFill/>
-          </a:ln>
-        </p:spPr>
-        <p:style>
-          <a:lnRef idx="1">
-            <a:schemeClr val="accent1"/>
-          </a:lnRef>
-          <a:fillRef idx="3">
-            <a:schemeClr val="accent1"/>
-          </a:fillRef>
-          <a:effectRef idx="2">
-            <a:schemeClr val="accent1"/>
-          </a:effectRef>
-          <a:fontRef idx="minor">
-            <a:schemeClr val="lt1"/>
-          </a:fontRef>
-        </p:style>
-        <p:txBody>
-          <a:bodyPr rtlCol="0" anchor="ctr"/>
-          <a:lstStyle/>
-          <a:p>
-            <a:pPr algn="ctr"/>
-          </a:p>
-        </p:txBody>
-      </p:sp>
-      <p:sp>
-        <p:nvSpPr>
-          <p:cNvPr id="2" name="Title 1"/>
-          <p:cNvSpPr>
-            <a:spLocks noGrp="1"/>
-          </p:cNvSpPr>
-          <p:nvPr>
-            <p:ph type="title"/>
-          </p:nvPr>
-        </p:nvSpPr>
-        <p:spPr>
-          <a:xfrm>
-            <a:off x="182880" y="182880"/>
-            <a:ext cx="9540240" cy="381000"/>
-          </a:xfrm>
-        </p:spPr>
-        <p:txBody>
-          <a:bodyPr anchor="t"/>
-          <a:lstStyle/>
-          <a:p>
-            <a:pPr algn="l">
-              <a:spcAft>
-                <a:spcPts val="0"/>
-              </a:spcAft>
-              <a:defRPr sz="3000"/>
-            </a:pPr>
-            <a:r>
-              <a:t>░░░░░░░░░░░░░░░░░░░░░░░░░</a:t>
-            </a:r>
-          </a:p>
-        </p:txBody>
-      </p:sp>
-      <p:sp>
-        <p:nvSpPr>
-          <p:cNvPr id="3" name="Text Placeholder 2"/>
-          <p:cNvSpPr>
-            <a:spLocks noGrp="1"/>
-          </p:cNvSpPr>
-          <p:nvPr>
-            <p:ph type="body" idx="1" sz="half"/>
-          </p:nvPr>
-        </p:nvSpPr>
-        <p:spPr>
-          <a:xfrm>
-            <a:off x="182880" y="1183568"/>
-            <a:ext cx="9540240" cy="5308672"/>
-          </a:xfrm>
-          <a:noFill/>
-        </p:spPr>
-        <p:txBody>
-          <a:bodyPr>
-            <a:normAutofit/>
-          </a:bodyPr>
-          <a:lstStyle/>
           <a:p>
             <a:pPr>
               <a:defRPr sz="1800"/>
             </a:pPr>
             <a:r>
-              <a:t>Structured events for players worldwide</a:t>
-            </a:r>
-          </a:p>
-          <a:p>
-            <a:pPr>
-              <a:defRPr sz="1800"/>
-            </a:pPr>
-            <a:r>
-              <a:t>Official campaign settings and storylines</a:t>
-            </a:r>
-          </a:p>
-        </p:txBody>
-      </p:sp>
-      <p:sp>
-        <p:nvSpPr>
-          <p:cNvPr id="2" name="Title 1"/>
-          <p:cNvSpPr>
-            <a:spLocks noGrp="1"/>
-          </p:cNvSpPr>
-          <p:nvPr>
-            <p:ph type="title"/>
-          </p:nvPr>
-        </p:nvSpPr>
-        <p:spPr>
-          <a:xfrm>
-            <a:off x="182880" y="838200"/>
-            <a:ext cx="9540240" cy="345368"/>
-          </a:xfrm>
-        </p:spPr>
-        <p:txBody>
-          <a:bodyPr anchor="t"/>
-          <a:lstStyle/>
-          <a:p>
-            <a:pPr algn="ctr">
-              <a:spcAft>
-                <a:spcPts val="0"/>
-              </a:spcAft>
-              <a:defRPr sz="2000"/>
-            </a:pPr>
-            <a:r>
-              <a:t>Organized Play</a:t>
-            </a:r>
-          </a:p>
-        </p:txBody>
-      </p:sp>
-    </p:spTree>
-  </p:cSld>
-  <p:clrMapOvr>
-    <a:masterClrMapping/>
-  </p:clrMapOvr>
-</p:sld>
-</file>
-
-<file path=ppt/slides/slide15.xml><?xml version="1.0" encoding="utf-8"?>
-<p:sld xmlns:a="http://schemas.openxmlformats.org/drawingml/2006/main" xmlns:p="http://schemas.openxmlformats.org/presentationml/2006/main" xmlns:r="http://schemas.openxmlformats.org/officeDocument/2006/relationships">
-  <p:cSld>
-    <p:spTree>
-      <p:nvGrpSpPr>
-        <p:cNvPr id="1" name=""/>
-        <p:cNvGrpSpPr/>
-        <p:nvPr/>
-      </p:nvGrpSpPr>
-      <p:grpSpPr/>
-      <p:sp>
-        <p:nvSpPr>
-          <p:cNvPr id="2" name="Title 1"/>
-          <p:cNvSpPr>
-            <a:spLocks noGrp="1"/>
-          </p:cNvSpPr>
-          <p:nvPr>
-            <p:ph type="title"/>
-          </p:nvPr>
-        </p:nvSpPr>
-        <p:spPr>
-          <a:xfrm>
-            <a:off x="182880" y="182880"/>
-            <a:ext cx="9540240" cy="381000"/>
-          </a:xfrm>
-        </p:spPr>
-        <p:txBody>
-          <a:bodyPr anchor="t"/>
-          <a:lstStyle/>
-          <a:p>
-            <a:pPr algn="l">
-              <a:spcAft>
-                <a:spcPts val="0"/>
-              </a:spcAft>
-              <a:defRPr sz="3000"/>
-            </a:pPr>
-            <a:r>
-              <a:t>Contributions to Renewal of Interest</a:t>
-            </a:r>
-          </a:p>
-        </p:txBody>
-      </p:sp>
-      <p:sp>
-        <p:nvSpPr>
-          <p:cNvPr id="3" name="Text Placeholder 2"/>
-          <p:cNvSpPr>
-            <a:spLocks noGrp="1"/>
-          </p:cNvSpPr>
-          <p:nvPr>
-            <p:ph type="body" idx="1" sz="half"/>
-          </p:nvPr>
-        </p:nvSpPr>
-        <p:spPr>
-          <a:xfrm>
-            <a:off x="182880" y="838200"/>
-            <a:ext cx="9540240" cy="5654040"/>
-          </a:xfrm>
-        </p:spPr>
-        <p:txBody>
-          <a:bodyPr>
-            <a:normAutofit/>
-          </a:bodyPr>
-          <a:lstStyle/>
-          <a:p>
-            <a:pPr>
-              <a:defRPr sz="1800"/>
-            </a:pPr>
-            <a:r>
-              <a:t>Increased accessibility for new players</a:t>
-            </a:r>
-          </a:p>
-          <a:p>
-            <a:pPr>
-              <a:defRPr sz="1800"/>
-            </a:pPr>
-            <a:r>
-              <a:t>Engagement with diverse and inclusive community</a:t>
-            </a:r>
-          </a:p>
-          <a:p>
-            <a:pPr>
-              <a:defRPr sz="1800"/>
-            </a:pPr>
-            <a:r>
-              <a:t>Fostering social interaction in gaming</a:t>
-            </a:r>
-          </a:p>
-        </p:txBody>
-      </p:sp>
-    </p:spTree>
-  </p:cSld>
-  <p:clrMapOvr>
-    <a:masterClrMapping/>
-  </p:clrMapOvr>
-</p:sld>
-</file>
-
-<file path=ppt/slides/slide16.xml><?xml version="1.0" encoding="utf-8"?>
-<p:sld xmlns:a="http://schemas.openxmlformats.org/drawingml/2006/main" xmlns:p="http://schemas.openxmlformats.org/presentationml/2006/main" xmlns:r="http://schemas.openxmlformats.org/officeDocument/2006/relationships">
-  <p:cSld>
-    <p:spTree>
-      <p:nvGrpSpPr>
-        <p:cNvPr id="1" name=""/>
-        <p:cNvGrpSpPr/>
-        <p:nvPr/>
-      </p:nvGrpSpPr>
-      <p:grpSpPr/>
-      <p:sp>
-        <p:nvSpPr>
-          <p:cNvPr id="2" name="Title 1"/>
-          <p:cNvSpPr>
-            <a:spLocks noGrp="1"/>
-          </p:cNvSpPr>
-          <p:nvPr>
-            <p:ph type="title"/>
-          </p:nvPr>
-        </p:nvSpPr>
-        <p:spPr/>
-        <p:txBody>
-          <a:bodyPr/>
-          <a:lstStyle/>
-          <a:p>
-            <a:pPr>
-              <a:defRPr sz="4000"/>
-            </a:pPr>
-            <a:r>
-              <a:t>Success Stories and Impact</a:t>
-            </a:r>
-          </a:p>
-        </p:txBody>
-      </p:sp>
-      <p:sp>
-        <p:nvSpPr>
-          <p:cNvPr id="3" name="Text Placeholder 2"/>
-          <p:cNvSpPr>
-            <a:spLocks noGrp="1"/>
-          </p:cNvSpPr>
-          <p:nvPr>
-            <p:ph type="body" idx="1"/>
-          </p:nvPr>
-        </p:nvSpPr>
-        <p:spPr/>
-        <p:txBody>
-          <a:bodyPr/>
-          <a:lstStyle/>
-          <a:p>
-            <a:pPr>
-              <a:defRPr sz="2800"/>
-            </a:pPr>
-            <a:r>
-              <a:t>░░░░░░░░░░░░░░░░░░░░░░░░░</a:t>
-            </a:r>
-          </a:p>
-        </p:txBody>
-      </p:sp>
-    </p:spTree>
-  </p:cSld>
-  <p:clrMapOvr>
-    <a:masterClrMapping/>
-  </p:clrMapOvr>
-</p:sld>
-</file>
-
-<file path=ppt/slides/slide17.xml><?xml version="1.0" encoding="utf-8"?>
-<p:sld xmlns:a="http://schemas.openxmlformats.org/drawingml/2006/main" xmlns:p="http://schemas.openxmlformats.org/presentationml/2006/main" xmlns:r="http://schemas.openxmlformats.org/officeDocument/2006/relationships">
-  <p:cSld>
-    <p:spTree>
-      <p:nvGrpSpPr>
-        <p:cNvPr id="1" name=""/>
-        <p:cNvGrpSpPr/>
-        <p:nvPr/>
-      </p:nvGrpSpPr>
-      <p:grpSpPr/>
-      <p:sp>
-        <p:nvSpPr>
-          <p:cNvPr id="5" name="Rounded Rectangle 4"/>
-          <p:cNvSpPr/>
-          <p:nvPr/>
-        </p:nvSpPr>
-        <p:spPr>
-          <a:xfrm>
-            <a:off x="5067300" y="1183568"/>
-            <a:ext cx="4655820" cy="5308672"/>
-          </a:xfrm>
-          <a:prstGeom prst="roundRect">
-            <a:avLst>
-              <a:gd name="adj" fmla="val 4166"/>
-            </a:avLst>
-          </a:prstGeom>
-          <a:ln>
-            <a:noFill/>
-          </a:ln>
-        </p:spPr>
-        <p:style>
-          <a:lnRef idx="1">
-            <a:schemeClr val="accent1"/>
-          </a:lnRef>
-          <a:fillRef idx="3">
-            <a:schemeClr val="accent1"/>
-          </a:fillRef>
-          <a:effectRef idx="2">
-            <a:schemeClr val="accent1"/>
-          </a:effectRef>
-          <a:fontRef idx="minor">
-            <a:schemeClr val="lt1"/>
-          </a:fontRef>
-        </p:style>
-        <p:txBody>
-          <a:bodyPr rtlCol="0" anchor="ctr"/>
-          <a:lstStyle/>
-          <a:p>
-            <a:pPr algn="ctr"/>
-          </a:p>
-        </p:txBody>
-      </p:sp>
-      <p:sp>
-        <p:nvSpPr>
-          <p:cNvPr id="4" name="Rounded Rectangle 3"/>
-          <p:cNvSpPr/>
-          <p:nvPr/>
-        </p:nvSpPr>
-        <p:spPr>
-          <a:xfrm>
-            <a:off x="182880" y="1183568"/>
-            <a:ext cx="4655820" cy="5308672"/>
-          </a:xfrm>
-          <a:prstGeom prst="roundRect">
-            <a:avLst>
-              <a:gd name="adj" fmla="val 4166"/>
-            </a:avLst>
-          </a:prstGeom>
-          <a:ln>
-            <a:noFill/>
-          </a:ln>
-        </p:spPr>
-        <p:style>
-          <a:lnRef idx="1">
-            <a:schemeClr val="accent1"/>
-          </a:lnRef>
-          <a:fillRef idx="3">
-            <a:schemeClr val="accent1"/>
-          </a:fillRef>
-          <a:effectRef idx="2">
-            <a:schemeClr val="accent1"/>
-          </a:effectRef>
-          <a:fontRef idx="minor">
-            <a:schemeClr val="lt1"/>
-          </a:fontRef>
-        </p:style>
-        <p:txBody>
-          <a:bodyPr rtlCol="0" anchor="ctr"/>
-          <a:lstStyle/>
-          <a:p>
-            <a:pPr algn="ctr"/>
-          </a:p>
-        </p:txBody>
-      </p:sp>
-      <p:sp>
-        <p:nvSpPr>
-          <p:cNvPr id="2" name="Title 1"/>
-          <p:cNvSpPr>
-            <a:spLocks noGrp="1"/>
-          </p:cNvSpPr>
-          <p:nvPr>
-            <p:ph type="title"/>
-          </p:nvPr>
-        </p:nvSpPr>
-        <p:spPr>
-          <a:xfrm>
-            <a:off x="182880" y="182880"/>
-            <a:ext cx="9540240" cy="381000"/>
-          </a:xfrm>
-        </p:spPr>
-        <p:txBody>
-          <a:bodyPr anchor="t"/>
-          <a:lstStyle/>
-          <a:p>
-            <a:pPr algn="l">
-              <a:spcAft>
-                <a:spcPts val="0"/>
-              </a:spcAft>
-              <a:defRPr sz="3000"/>
-            </a:pPr>
-            <a:r>
-              <a:t>░░░░░░░░░░░░░░░░░░░░░░░░░</a:t>
-            </a:r>
-          </a:p>
-        </p:txBody>
-      </p:sp>
-      <p:sp>
-        <p:nvSpPr>
-          <p:cNvPr id="3" name="Text Placeholder 2"/>
-          <p:cNvSpPr>
-            <a:spLocks noGrp="1"/>
-          </p:cNvSpPr>
-          <p:nvPr>
-            <p:ph type="body" idx="1" sz="half"/>
-          </p:nvPr>
-        </p:nvSpPr>
-        <p:spPr>
-          <a:xfrm>
-            <a:off x="182880" y="1183568"/>
-            <a:ext cx="4655820" cy="5308672"/>
-          </a:xfrm>
-          <a:noFill/>
-        </p:spPr>
-        <p:txBody>
-          <a:bodyPr>
-            <a:normAutofit/>
-          </a:bodyPr>
-          <a:lstStyle/>
-          <a:p>
-            <a:pPr>
-              <a:defRPr sz="1800"/>
-            </a:pPr>
-            <a:r>
-              <a:t>Expanding player base and reaching new demographics</a:t>
-            </a:r>
-          </a:p>
-          <a:p>
-            <a:pPr>
-              <a:defRPr sz="1800"/>
-            </a:pPr>
-            <a:r>
-              <a:t>Promoting creativity and storytelling in gameplay</a:t>
-            </a:r>
-          </a:p>
-        </p:txBody>
-      </p:sp>
-      <p:sp>
-        <p:nvSpPr>
-          <p:cNvPr id="2" name="Title 1"/>
-          <p:cNvSpPr>
-            <a:spLocks noGrp="1"/>
-          </p:cNvSpPr>
-          <p:nvPr>
-            <p:ph type="title"/>
-          </p:nvPr>
-        </p:nvSpPr>
-        <p:spPr>
-          <a:xfrm>
-            <a:off x="182880" y="838200"/>
-            <a:ext cx="4655820" cy="345368"/>
-          </a:xfrm>
-        </p:spPr>
-        <p:txBody>
-          <a:bodyPr anchor="t"/>
-          <a:lstStyle/>
-          <a:p>
-            <a:pPr algn="ctr">
-              <a:spcAft>
-                <a:spcPts val="0"/>
-              </a:spcAft>
-              <a:defRPr sz="2000"/>
-            </a:pPr>
-            <a:r>
-              <a:t>Community Growth</a:t>
-            </a:r>
-          </a:p>
-        </p:txBody>
-      </p:sp>
-      <p:sp>
-        <p:nvSpPr>
-          <p:cNvPr id="2" name="Title 1"/>
-          <p:cNvSpPr>
-            <a:spLocks noGrp="1"/>
-          </p:cNvSpPr>
-          <p:nvPr>
-            <p:ph type="title"/>
-          </p:nvPr>
-        </p:nvSpPr>
-        <p:spPr>
-          <a:xfrm>
-            <a:off x="5067300" y="838200"/>
-            <a:ext cx="4655820" cy="345368"/>
-          </a:xfrm>
-        </p:spPr>
-        <p:txBody>
-          <a:bodyPr anchor="t"/>
-          <a:lstStyle/>
-          <a:p>
-            <a:pPr algn="ctr">
-              <a:spcAft>
-                <a:spcPts val="0"/>
-              </a:spcAft>
-              <a:defRPr sz="2000"/>
-            </a:pPr>
-            <a:r>
-              <a:t>Industry Recognition</a:t>
-            </a:r>
-          </a:p>
-        </p:txBody>
-      </p:sp>
-      <p:sp>
-        <p:nvSpPr>
-          <p:cNvPr id="3" name="Text Placeholder 2"/>
-          <p:cNvSpPr>
-            <a:spLocks noGrp="1"/>
-          </p:cNvSpPr>
-          <p:nvPr>
-            <p:ph type="body" idx="1" sz="half"/>
-          </p:nvPr>
-        </p:nvSpPr>
-        <p:spPr>
-          <a:xfrm>
-            <a:off x="5067300" y="1183568"/>
-            <a:ext cx="4655820" cy="5308672"/>
-          </a:xfrm>
-          <a:noFill/>
-        </p:spPr>
-        <p:txBody>
-          <a:bodyPr>
-            <a:normAutofit/>
-          </a:bodyPr>
-          <a:lstStyle/>
-          <a:p>
-            <a:pPr>
-              <a:defRPr sz="1800"/>
-            </a:pPr>
-            <a:r>
-              <a:t>Influencing game design and content creation</a:t>
-            </a:r>
-          </a:p>
-          <a:p>
-            <a:pPr>
-              <a:defRPr sz="1800"/>
-            </a:pPr>
-            <a:r>
-              <a:t>Showcasing the longevity of the game franchise</a:t>
+              <a:t>Increased visibility of the game through events and social media engagement</a:t>
             </a:r>
           </a:p>
         </p:txBody>
@@ -3941,7 +2751,7 @@
               <a:defRPr sz="2800"/>
             </a:pPr>
             <a:r>
-              <a:t>An Overview</a:t>
+              <a:t>A Fantasy Role-Playing Game</a:t>
             </a:r>
           </a:p>
         </p:txBody>
@@ -3974,24 +2784,16 @@
             <p:ph type="title"/>
           </p:nvPr>
         </p:nvSpPr>
-        <p:spPr>
-          <a:xfrm>
-            <a:off x="182880" y="182880"/>
-            <a:ext cx="9540240" cy="381000"/>
-          </a:xfrm>
-        </p:spPr>
+        <p:spPr/>
         <p:txBody>
-          <a:bodyPr anchor="t"/>
+          <a:bodyPr/>
           <a:lstStyle/>
           <a:p>
-            <a:pPr algn="l">
-              <a:spcAft>
-                <a:spcPts val="0"/>
-              </a:spcAft>
-              <a:defRPr sz="3000"/>
+            <a:pPr>
+              <a:defRPr sz="4000"/>
             </a:pPr>
             <a:r>
-              <a:t>What is Dungeons And Dragons?</a:t>
+              <a:t>Overview</a:t>
             </a:r>
           </a:p>
         </p:txBody>
@@ -4003,42 +2805,19 @@
             <a:spLocks noGrp="1"/>
           </p:cNvSpPr>
           <p:nvPr>
-            <p:ph type="body" idx="1" sz="half"/>
+            <p:ph type="body" idx="1"/>
           </p:nvPr>
         </p:nvSpPr>
-        <p:spPr>
-          <a:xfrm>
-            <a:off x="182880" y="838200"/>
-            <a:ext cx="9540240" cy="5654040"/>
-          </a:xfrm>
-        </p:spPr>
+        <p:spPr/>
         <p:txBody>
-          <a:bodyPr>
-            <a:normAutofit/>
-          </a:bodyPr>
+          <a:bodyPr/>
           <a:lstStyle/>
           <a:p>
             <a:pPr>
-              <a:defRPr sz="1800"/>
+              <a:defRPr sz="2800"/>
             </a:pPr>
             <a:r>
-              <a:t>Tabletop role-playing game (RPG)</a:t>
-            </a:r>
-          </a:p>
-          <a:p>
-            <a:pPr>
-              <a:defRPr sz="1800"/>
-            </a:pPr>
-            <a:r>
-              <a:t>Creative storytelling and adventure</a:t>
-            </a:r>
-          </a:p>
-          <a:p>
-            <a:pPr>
-              <a:defRPr sz="1800"/>
-            </a:pPr>
-            <a:r>
-              <a:t>Players create characters and embark on quests</a:t>
+              <a:t>░░░░░░░░░░░░░░░░░░░░░░░░░</a:t>
             </a:r>
           </a:p>
         </p:txBody>
@@ -4088,7 +2867,7 @@
               <a:defRPr sz="3000"/>
             </a:pPr>
             <a:r>
-              <a:t>Key Elements</a:t>
+              <a:t>What is Dungeons And Dragons?</a:t>
             </a:r>
           </a:p>
         </p:txBody>
@@ -4119,7 +2898,7 @@
               <a:defRPr sz="1800"/>
             </a:pPr>
             <a:r>
-              <a:t>Diverse fantasy setting with magic and mythical creatures</a:t>
+              <a:t>D&amp;D is a tabletop role-playing game (RPG) where players create characters and embark on adventures in a fantasy world.</a:t>
             </a:r>
           </a:p>
           <a:p>
@@ -4127,15 +2906,7 @@
               <a:defRPr sz="1800"/>
             </a:pPr>
             <a:r>
-              <a:t>Gameplay guided by rules and dice rolls</a:t>
-            </a:r>
-          </a:p>
-          <a:p>
-            <a:pPr>
-              <a:defRPr sz="1800"/>
-            </a:pPr>
-            <a:r>
-              <a:t>Dungeon Master (DM) oversees the game and sets the scene</a:t>
+              <a:t>Players explore dungeons, solve puzzles, fight monsters, and interact with NPCs (non-player characters) to progress through the story.</a:t>
             </a:r>
           </a:p>
         </p:txBody>
@@ -4168,16 +2939,24 @@
             <p:ph type="title"/>
           </p:nvPr>
         </p:nvSpPr>
-        <p:spPr/>
+        <p:spPr>
+          <a:xfrm>
+            <a:off x="182880" y="182880"/>
+            <a:ext cx="9540240" cy="381000"/>
+          </a:xfrm>
+        </p:spPr>
         <p:txBody>
-          <a:bodyPr/>
+          <a:bodyPr anchor="t"/>
           <a:lstStyle/>
           <a:p>
-            <a:pPr>
-              <a:defRPr sz="4000"/>
+            <a:pPr algn="l">
+              <a:spcAft>
+                <a:spcPts val="0"/>
+              </a:spcAft>
+              <a:defRPr sz="3000"/>
             </a:pPr>
             <a:r>
-              <a:t>How to Play</a:t>
+              <a:t>Key Components</a:t>
             </a:r>
           </a:p>
         </p:txBody>
@@ -4189,19 +2968,42 @@
             <a:spLocks noGrp="1"/>
           </p:cNvSpPr>
           <p:nvPr>
-            <p:ph type="body" idx="1"/>
+            <p:ph type="body" idx="1" sz="half"/>
           </p:nvPr>
         </p:nvSpPr>
-        <p:spPr/>
+        <p:spPr>
+          <a:xfrm>
+            <a:off x="182880" y="838200"/>
+            <a:ext cx="9540240" cy="5654040"/>
+          </a:xfrm>
+        </p:spPr>
         <p:txBody>
-          <a:bodyPr/>
+          <a:bodyPr>
+            <a:normAutofit/>
+          </a:bodyPr>
           <a:lstStyle/>
           <a:p>
             <a:pPr>
-              <a:defRPr sz="2800"/>
+              <a:defRPr sz="1800"/>
             </a:pPr>
             <a:r>
-              <a:t>░░░░░░░░░░░░░░░░░░░░░░░░░</a:t>
+              <a:t>Player Characters (PCs) - Characters created by players to interact with the game world and story.</a:t>
+            </a:r>
+          </a:p>
+          <a:p>
+            <a:pPr>
+              <a:defRPr sz="1800"/>
+            </a:pPr>
+            <a:r>
+              <a:t>Dungeon Master (DM) - Acts as the storyteller, referee, and controls NPCs, monsters, and the world's events.</a:t>
+            </a:r>
+          </a:p>
+          <a:p>
+            <a:pPr>
+              <a:defRPr sz="1800"/>
+            </a:pPr>
+            <a:r>
+              <a:t>Dice - Used to determine the outcomes of actions, combat, and events in the game.</a:t>
             </a:r>
           </a:p>
         </p:txBody>
@@ -4234,24 +3036,16 @@
             <p:ph type="title"/>
           </p:nvPr>
         </p:nvSpPr>
-        <p:spPr>
-          <a:xfrm>
-            <a:off x="182880" y="182880"/>
-            <a:ext cx="9540240" cy="381000"/>
-          </a:xfrm>
-        </p:spPr>
+        <p:spPr/>
         <p:txBody>
-          <a:bodyPr anchor="t"/>
+          <a:bodyPr/>
           <a:lstStyle/>
           <a:p>
-            <a:pPr algn="l">
-              <a:spcAft>
-                <a:spcPts val="0"/>
-              </a:spcAft>
-              <a:defRPr sz="3000"/>
+            <a:pPr>
+              <a:defRPr sz="4000"/>
             </a:pPr>
             <a:r>
-              <a:t>Character Creation</a:t>
+              <a:t>Dungeons And Dragons Adventurers League</a:t>
             </a:r>
           </a:p>
         </p:txBody>
@@ -4266,31 +3060,16 @@
             <p:ph type="body" idx="1" sz="half"/>
           </p:nvPr>
         </p:nvSpPr>
-        <p:spPr>
-          <a:xfrm>
-            <a:off x="182880" y="838200"/>
-            <a:ext cx="9540240" cy="5654040"/>
-          </a:xfrm>
-        </p:spPr>
+        <p:spPr/>
         <p:txBody>
-          <a:bodyPr>
-            <a:normAutofit/>
-          </a:bodyPr>
+          <a:bodyPr/>
           <a:lstStyle/>
           <a:p>
             <a:pPr>
-              <a:defRPr sz="1800"/>
+              <a:defRPr sz="2800"/>
             </a:pPr>
             <a:r>
-              <a:t>Choose race, class, and abilities</a:t>
-            </a:r>
-          </a:p>
-          <a:p>
-            <a:pPr>
-              <a:defRPr sz="1800"/>
-            </a:pPr>
-            <a:r>
-              <a:t>Develop backstory and personality</a:t>
+              <a:t>Contribution to the Renewal of Interest</a:t>
             </a:r>
           </a:p>
         </p:txBody>
@@ -4323,24 +3102,16 @@
             <p:ph type="title"/>
           </p:nvPr>
         </p:nvSpPr>
-        <p:spPr>
-          <a:xfrm>
-            <a:off x="182880" y="182880"/>
-            <a:ext cx="9540240" cy="381000"/>
-          </a:xfrm>
-        </p:spPr>
+        <p:spPr/>
         <p:txBody>
-          <a:bodyPr anchor="t"/>
+          <a:bodyPr/>
           <a:lstStyle/>
           <a:p>
-            <a:pPr algn="l">
-              <a:spcAft>
-                <a:spcPts val="0"/>
-              </a:spcAft>
-              <a:defRPr sz="3000"/>
+            <a:pPr>
+              <a:defRPr sz="4000"/>
             </a:pPr>
             <a:r>
-              <a:t>Gameplay</a:t>
+              <a:t>Overview of Dungeons And Dragons Adventurers League</a:t>
             </a:r>
           </a:p>
         </p:txBody>
@@ -4352,34 +3123,19 @@
             <a:spLocks noGrp="1"/>
           </p:cNvSpPr>
           <p:nvPr>
-            <p:ph type="body" idx="1" sz="half"/>
+            <p:ph type="body" idx="1"/>
           </p:nvPr>
         </p:nvSpPr>
-        <p:spPr>
-          <a:xfrm>
-            <a:off x="182880" y="838200"/>
-            <a:ext cx="9540240" cy="5654040"/>
-          </a:xfrm>
-        </p:spPr>
+        <p:spPr/>
         <p:txBody>
-          <a:bodyPr>
-            <a:normAutofit/>
-          </a:bodyPr>
+          <a:bodyPr/>
           <a:lstStyle/>
           <a:p>
             <a:pPr>
-              <a:defRPr sz="1800"/>
+              <a:defRPr sz="2800"/>
             </a:pPr>
             <a:r>
-              <a:t>Explore worlds, solve puzzles, and battle foes</a:t>
-            </a:r>
-          </a:p>
-          <a:p>
-            <a:pPr>
-              <a:defRPr sz="1800"/>
-            </a:pPr>
-            <a:r>
-              <a:t>Players make decisions that impact the story</a:t>
+              <a:t>░░░░░░░░░░░░░░░░░░░░░░░░░</a:t>
             </a:r>
           </a:p>
         </p:txBody>
@@ -4412,16 +3168,24 @@
             <p:ph type="title"/>
           </p:nvPr>
         </p:nvSpPr>
-        <p:spPr/>
+        <p:spPr>
+          <a:xfrm>
+            <a:off x="182880" y="182880"/>
+            <a:ext cx="9540240" cy="381000"/>
+          </a:xfrm>
+        </p:spPr>
         <p:txBody>
-          <a:bodyPr/>
+          <a:bodyPr anchor="t"/>
           <a:lstStyle/>
           <a:p>
-            <a:pPr>
-              <a:defRPr sz="4000"/>
+            <a:pPr algn="l">
+              <a:spcAft>
+                <a:spcPts val="0"/>
+              </a:spcAft>
+              <a:defRPr sz="3000"/>
             </a:pPr>
             <a:r>
-              <a:t>Benefits of Playing</a:t>
+              <a:t>Key Points</a:t>
             </a:r>
           </a:p>
         </p:txBody>
@@ -4433,19 +3197,42 @@
             <a:spLocks noGrp="1"/>
           </p:cNvSpPr>
           <p:nvPr>
-            <p:ph type="body" idx="1"/>
+            <p:ph type="body" idx="1" sz="half"/>
           </p:nvPr>
         </p:nvSpPr>
-        <p:spPr/>
+        <p:spPr>
+          <a:xfrm>
+            <a:off x="182880" y="838200"/>
+            <a:ext cx="9540240" cy="5654040"/>
+          </a:xfrm>
+        </p:spPr>
         <p:txBody>
-          <a:bodyPr/>
+          <a:bodyPr>
+            <a:normAutofit/>
+          </a:bodyPr>
           <a:lstStyle/>
           <a:p>
             <a:pPr>
-              <a:defRPr sz="2800"/>
+              <a:defRPr sz="1800"/>
             </a:pPr>
             <a:r>
-              <a:t>░░░░░░░░░░░░░░░░░░░░░░░░░</a:t>
+              <a:t>Organized play system by Wizards of the Coast</a:t>
+            </a:r>
+          </a:p>
+          <a:p>
+            <a:pPr>
+              <a:defRPr sz="1800"/>
+            </a:pPr>
+            <a:r>
+              <a:t>Allows players to create characters and play in official campaigns</a:t>
+            </a:r>
+          </a:p>
+          <a:p>
+            <a:pPr>
+              <a:defRPr sz="1800"/>
+            </a:pPr>
+            <a:r>
+              <a:t>Events held at local game stores, conventions, and online platforms</a:t>
             </a:r>
           </a:p>
         </p:txBody>
@@ -4478,24 +3265,16 @@
             <p:ph type="title"/>
           </p:nvPr>
         </p:nvSpPr>
-        <p:spPr>
-          <a:xfrm>
-            <a:off x="182880" y="182880"/>
-            <a:ext cx="9540240" cy="381000"/>
-          </a:xfrm>
-        </p:spPr>
+        <p:spPr/>
         <p:txBody>
-          <a:bodyPr anchor="t"/>
+          <a:bodyPr/>
           <a:lstStyle/>
           <a:p>
-            <a:pPr algn="l">
-              <a:spcAft>
-                <a:spcPts val="0"/>
-              </a:spcAft>
-              <a:defRPr sz="3000"/>
+            <a:pPr>
+              <a:defRPr sz="4000"/>
             </a:pPr>
             <a:r>
-              <a:t>Creativity and Imagination</a:t>
+              <a:t>Impact on Renewal of Interest</a:t>
             </a:r>
           </a:p>
         </p:txBody>
@@ -4507,34 +3286,19 @@
             <a:spLocks noGrp="1"/>
           </p:cNvSpPr>
           <p:nvPr>
-            <p:ph type="body" idx="1" sz="half"/>
+            <p:ph type="body" idx="1"/>
           </p:nvPr>
         </p:nvSpPr>
-        <p:spPr>
-          <a:xfrm>
-            <a:off x="182880" y="838200"/>
-            <a:ext cx="9540240" cy="5654040"/>
-          </a:xfrm>
-        </p:spPr>
+        <p:spPr/>
         <p:txBody>
-          <a:bodyPr>
-            <a:normAutofit/>
-          </a:bodyPr>
+          <a:bodyPr/>
           <a:lstStyle/>
           <a:p>
             <a:pPr>
-              <a:defRPr sz="1800"/>
+              <a:defRPr sz="2800"/>
             </a:pPr>
             <a:r>
-              <a:t>Develops storytelling and problem-solving skills</a:t>
-            </a:r>
-          </a:p>
-          <a:p>
-            <a:pPr>
-              <a:defRPr sz="1800"/>
-            </a:pPr>
-            <a:r>
-              <a:t>Encourages teamwork and communication</a:t>
+              <a:t>░░░░░░░░░░░░░░░░░░░░░░░░░</a:t>
             </a:r>
           </a:p>
         </p:txBody>

--- a/temp/test_output_option_5.pptx
+++ b/temp/test_output_option_5.pptx
@@ -23,17 +23,17 @@
   <p:extLst>
     <p:ext uri="{521415D9-36F7-43E2-AB2F-B90AF26B5E84}">
       <p14:sectionLst xmlns:p14="http://schemas.microsoft.com/office/powerpoint/2010/main">
-        <p14:section name="Overview" id="{D956B1B9-1898-4AB0-A561-8AF5DD739E89}">
+        <p14:section name="What is Dungeons And Dragons" id="{3C6C907E-052A-4105-B899-56A8F214E79E}">
           <p14:sldIdLst>
             <p14:sldId id="258"/>
           </p14:sldIdLst>
         </p14:section>
-        <p14:section name="Overview of Dungeons And Dragons Adventurers League" id="{D217C1B3-EE72-42A8-8FC8-6AB9002E1EE4}">
+        <p14:section name="What is DD Adventurers League" id="{E2BFE927-F99A-4845-8220-F98345A28D18}">
           <p14:sldIdLst>
             <p14:sldId id="262"/>
           </p14:sldIdLst>
         </p14:section>
-        <p14:section name="Impact on Renewal of Interest" id="{11DEF247-DF74-43A4-ABF7-6908B66879F1}">
+        <p14:section name="Impact on the Renewal of Interest in DD" id="{5B513EE4-0852-48EF-9B31-5F770DC38330}">
           <p14:sldIdLst>
             <p14:sldId id="264"/>
           </p14:sldIdLst>
@@ -2613,6 +2613,48 @@
       <p:grpSpPr/>
       <p:sp>
         <p:nvSpPr>
+          <p:cNvPr id="4" name="Rounded Rectangle 3"/>
+          <p:cNvSpPr/>
+          <p:nvPr/>
+        </p:nvSpPr>
+        <p:spPr>
+          <a:xfrm>
+            <a:off x="182880" y="2314376"/>
+            <a:ext cx="9540240" cy="4177864"/>
+          </a:xfrm>
+          <a:prstGeom prst="roundRect">
+            <a:avLst>
+              <a:gd name="adj" fmla="val 4166"/>
+            </a:avLst>
+          </a:prstGeom>
+          <a:ln>
+            <a:noFill/>
+          </a:ln>
+        </p:spPr>
+        <p:style>
+          <a:lnRef idx="1">
+            <a:schemeClr val="accent1"/>
+          </a:lnRef>
+          <a:fillRef idx="3">
+            <a:schemeClr val="accent1"/>
+          </a:fillRef>
+          <a:effectRef idx="2">
+            <a:schemeClr val="accent1"/>
+          </a:effectRef>
+          <a:fontRef idx="minor">
+            <a:schemeClr val="lt1"/>
+          </a:fontRef>
+        </p:style>
+        <p:txBody>
+          <a:bodyPr rtlCol="0" anchor="ctr"/>
+          <a:lstStyle/>
+          <a:p>
+            <a:pPr algn="ctr"/>
+          </a:p>
+        </p:txBody>
+      </p:sp>
+      <p:sp>
+        <p:nvSpPr>
           <p:cNvPr id="2" name="Title 1"/>
           <p:cNvSpPr>
             <a:spLocks noGrp="1"/>
@@ -2638,7 +2680,7 @@
               <a:defRPr sz="3000"/>
             </a:pPr>
             <a:r>
-              <a:t>Contribution to Growth</a:t>
+              <a:t>Factors Contributing to Renewal</a:t>
             </a:r>
           </a:p>
         </p:txBody>
@@ -2656,7 +2698,7 @@
         <p:spPr>
           <a:xfrm>
             <a:off x="182880" y="838200"/>
-            <a:ext cx="9540240" cy="5654040"/>
+            <a:ext cx="9540240" cy="1130808"/>
           </a:xfrm>
         </p:spPr>
         <p:txBody>
@@ -2669,7 +2711,7 @@
               <a:defRPr sz="1800"/>
             </a:pPr>
             <a:r>
-              <a:t>Provided a structured and accessible way for new players to start playing</a:t>
+              <a:t>Increased accessibility for new players</a:t>
             </a:r>
           </a:p>
           <a:p>
@@ -2677,7 +2719,7 @@
               <a:defRPr sz="1800"/>
             </a:pPr>
             <a:r>
-              <a:t>Created a sense of community among players through shared experiences</a:t>
+              <a:t>Engaging organized play events and conventions</a:t>
             </a:r>
           </a:p>
           <a:p>
@@ -2685,7 +2727,87 @@
               <a:defRPr sz="1800"/>
             </a:pPr>
             <a:r>
-              <a:t>Increased visibility of the game through events and social media engagement</a:t>
+              <a:t>Continuously evolving storylines and content</a:t>
+            </a:r>
+          </a:p>
+        </p:txBody>
+      </p:sp>
+      <p:sp>
+        <p:nvSpPr>
+          <p:cNvPr id="2" name="Title 1"/>
+          <p:cNvSpPr>
+            <a:spLocks noGrp="1"/>
+          </p:cNvSpPr>
+          <p:nvPr>
+            <p:ph type="title"/>
+          </p:nvPr>
+        </p:nvSpPr>
+        <p:spPr>
+          <a:xfrm>
+            <a:off x="182880" y="1969008"/>
+            <a:ext cx="9540240" cy="345368"/>
+          </a:xfrm>
+        </p:spPr>
+        <p:txBody>
+          <a:bodyPr anchor="t"/>
+          <a:lstStyle/>
+          <a:p>
+            <a:pPr algn="ctr">
+              <a:spcAft>
+                <a:spcPts val="0"/>
+              </a:spcAft>
+              <a:defRPr sz="2000"/>
+            </a:pPr>
+            <a:r>
+              <a:t>Community Testimonials</a:t>
+            </a:r>
+          </a:p>
+        </p:txBody>
+      </p:sp>
+      <p:sp>
+        <p:nvSpPr>
+          <p:cNvPr id="3" name="Text Placeholder 2"/>
+          <p:cNvSpPr>
+            <a:spLocks noGrp="1"/>
+          </p:cNvSpPr>
+          <p:nvPr>
+            <p:ph type="body" idx="1" sz="half"/>
+          </p:nvPr>
+        </p:nvSpPr>
+        <p:spPr>
+          <a:xfrm>
+            <a:off x="182880" y="2314376"/>
+            <a:ext cx="9540240" cy="4177864"/>
+          </a:xfrm>
+          <a:noFill/>
+        </p:spPr>
+        <p:txBody>
+          <a:bodyPr>
+            <a:normAutofit/>
+          </a:bodyPr>
+          <a:lstStyle/>
+          <a:p>
+            <a:pPr>
+              <a:defRPr sz="1800"/>
+            </a:pPr>
+            <a:r>
+              <a:t>Positive impact on player engagement and retention</a:t>
+            </a:r>
+          </a:p>
+          <a:p>
+            <a:pPr>
+              <a:defRPr sz="1800"/>
+            </a:pPr>
+            <a:r>
+              <a:t>Fostering a sense of belonging in gaming communities</a:t>
+            </a:r>
+          </a:p>
+          <a:p>
+            <a:pPr>
+              <a:defRPr sz="1800"/>
+            </a:pPr>
+            <a:r>
+              <a:t>Inspiring creative storytelling and role-playing</a:t>
             </a:r>
           </a:p>
         </p:txBody>
@@ -2751,7 +2873,7 @@
               <a:defRPr sz="2800"/>
             </a:pPr>
             <a:r>
-              <a:t>A Fantasy Role-Playing Game</a:t>
+              <a:t>A fantasy tabletop role-playing game</a:t>
             </a:r>
           </a:p>
         </p:txBody>
@@ -2793,7 +2915,7 @@
               <a:defRPr sz="4000"/>
             </a:pPr>
             <a:r>
-              <a:t>Overview</a:t>
+              <a:t>What is Dungeons And Dragons?</a:t>
             </a:r>
           </a:p>
         </p:txBody>
@@ -2817,7 +2939,7 @@
               <a:defRPr sz="2800"/>
             </a:pPr>
             <a:r>
-              <a:t>░░░░░░░░░░░░░░░░░░░░░░░░░</a:t>
+              <a:t>D&amp;D is a collaborative storytelling game set in a fantasy world</a:t>
             </a:r>
           </a:p>
         </p:txBody>
@@ -2867,7 +2989,7 @@
               <a:defRPr sz="3000"/>
             </a:pPr>
             <a:r>
-              <a:t>What is Dungeons And Dragons?</a:t>
+              <a:t>Key Features</a:t>
             </a:r>
           </a:p>
         </p:txBody>
@@ -2898,7 +3020,7 @@
               <a:defRPr sz="1800"/>
             </a:pPr>
             <a:r>
-              <a:t>D&amp;D is a tabletop role-playing game (RPG) where players create characters and embark on adventures in a fantasy world.</a:t>
+              <a:t>Players create characters with unique abilities</a:t>
             </a:r>
           </a:p>
           <a:p>
@@ -2906,7 +3028,15 @@
               <a:defRPr sz="1800"/>
             </a:pPr>
             <a:r>
-              <a:t>Players explore dungeons, solve puzzles, fight monsters, and interact with NPCs (non-player characters) to progress through the story.</a:t>
+              <a:t>Game Master guides the narrative and controls the world</a:t>
+            </a:r>
+          </a:p>
+          <a:p>
+            <a:pPr>
+              <a:defRPr sz="1800"/>
+            </a:pPr>
+            <a:r>
+              <a:t>Uses dice rolls to determine outcomes</a:t>
             </a:r>
           </a:p>
         </p:txBody>
@@ -2956,7 +3086,7 @@
               <a:defRPr sz="3000"/>
             </a:pPr>
             <a:r>
-              <a:t>Key Components</a:t>
+              <a:t>Gameplay</a:t>
             </a:r>
           </a:p>
         </p:txBody>
@@ -2987,7 +3117,7 @@
               <a:defRPr sz="1800"/>
             </a:pPr>
             <a:r>
-              <a:t>Player Characters (PCs) - Characters created by players to interact with the game world and story.</a:t>
+              <a:t>Players interact with the world through role-playing</a:t>
             </a:r>
           </a:p>
           <a:p>
@@ -2995,7 +3125,7 @@
               <a:defRPr sz="1800"/>
             </a:pPr>
             <a:r>
-              <a:t>Dungeon Master (DM) - Acts as the storyteller, referee, and controls NPCs, monsters, and the world's events.</a:t>
+              <a:t>Combat is resolved using dice rolls and character abilities</a:t>
             </a:r>
           </a:p>
           <a:p>
@@ -3003,7 +3133,7 @@
               <a:defRPr sz="1800"/>
             </a:pPr>
             <a:r>
-              <a:t>Dice - Used to determine the outcomes of actions, combat, and events in the game.</a:t>
+              <a:t>Collaborative storytelling creates immersive adventures</a:t>
             </a:r>
           </a:p>
         </p:txBody>
@@ -3069,7 +3199,7 @@
               <a:defRPr sz="2800"/>
             </a:pPr>
             <a:r>
-              <a:t>Contribution to the Renewal of Interest</a:t>
+              <a:t>Contribution to the renewal of interest in the game</a:t>
             </a:r>
           </a:p>
         </p:txBody>
@@ -3111,7 +3241,7 @@
               <a:defRPr sz="4000"/>
             </a:pPr>
             <a:r>
-              <a:t>Overview of Dungeons And Dragons Adventurers League</a:t>
+              <a:t>What is D🫰D Adventurers League?</a:t>
             </a:r>
           </a:p>
         </p:txBody>
@@ -3135,7 +3265,7 @@
               <a:defRPr sz="2800"/>
             </a:pPr>
             <a:r>
-              <a:t>░░░░░░░░░░░░░░░░░░░░░░░░░</a:t>
+              <a:t>An organized play program for Dungeons &amp; Dragons</a:t>
             </a:r>
           </a:p>
         </p:txBody>
@@ -3160,6 +3290,48 @@
       <p:grpSpPr/>
       <p:sp>
         <p:nvSpPr>
+          <p:cNvPr id="4" name="Rounded Rectangle 3"/>
+          <p:cNvSpPr/>
+          <p:nvPr/>
+        </p:nvSpPr>
+        <p:spPr>
+          <a:xfrm>
+            <a:off x="182880" y="2314376"/>
+            <a:ext cx="9540240" cy="4177864"/>
+          </a:xfrm>
+          <a:prstGeom prst="roundRect">
+            <a:avLst>
+              <a:gd name="adj" fmla="val 4166"/>
+            </a:avLst>
+          </a:prstGeom>
+          <a:ln>
+            <a:noFill/>
+          </a:ln>
+        </p:spPr>
+        <p:style>
+          <a:lnRef idx="1">
+            <a:schemeClr val="accent1"/>
+          </a:lnRef>
+          <a:fillRef idx="3">
+            <a:schemeClr val="accent1"/>
+          </a:fillRef>
+          <a:effectRef idx="2">
+            <a:schemeClr val="accent1"/>
+          </a:effectRef>
+          <a:fontRef idx="minor">
+            <a:schemeClr val="lt1"/>
+          </a:fontRef>
+        </p:style>
+        <p:txBody>
+          <a:bodyPr rtlCol="0" anchor="ctr"/>
+          <a:lstStyle/>
+          <a:p>
+            <a:pPr algn="ctr"/>
+          </a:p>
+        </p:txBody>
+      </p:sp>
+      <p:sp>
+        <p:nvSpPr>
           <p:cNvPr id="2" name="Title 1"/>
           <p:cNvSpPr>
             <a:spLocks noGrp="1"/>
@@ -3185,7 +3357,7 @@
               <a:defRPr sz="3000"/>
             </a:pPr>
             <a:r>
-              <a:t>Key Points</a:t>
+              <a:t>Key Elements of D🫰D Adventurers League</a:t>
             </a:r>
           </a:p>
         </p:txBody>
@@ -3203,7 +3375,7 @@
         <p:spPr>
           <a:xfrm>
             <a:off x="182880" y="838200"/>
-            <a:ext cx="9540240" cy="5654040"/>
+            <a:ext cx="9540240" cy="1130808"/>
           </a:xfrm>
         </p:spPr>
         <p:txBody>
@@ -3216,7 +3388,7 @@
               <a:defRPr sz="1800"/>
             </a:pPr>
             <a:r>
-              <a:t>Organized play system by Wizards of the Coast</a:t>
+              <a:t>Structured campaign with shared storylines</a:t>
             </a:r>
           </a:p>
           <a:p>
@@ -3224,7 +3396,7 @@
               <a:defRPr sz="1800"/>
             </a:pPr>
             <a:r>
-              <a:t>Allows players to create characters and play in official campaigns</a:t>
+              <a:t>Official D&amp;D play supported by Wizards of the Coast</a:t>
             </a:r>
           </a:p>
           <a:p>
@@ -3232,7 +3404,87 @@
               <a:defRPr sz="1800"/>
             </a:pPr>
             <a:r>
-              <a:t>Events held at local game stores, conventions, and online platforms</a:t>
+              <a:t>Accessible to all players and DMs</a:t>
+            </a:r>
+          </a:p>
+        </p:txBody>
+      </p:sp>
+      <p:sp>
+        <p:nvSpPr>
+          <p:cNvPr id="2" name="Title 1"/>
+          <p:cNvSpPr>
+            <a:spLocks noGrp="1"/>
+          </p:cNvSpPr>
+          <p:nvPr>
+            <p:ph type="title"/>
+          </p:nvPr>
+        </p:nvSpPr>
+        <p:spPr>
+          <a:xfrm>
+            <a:off x="182880" y="1969008"/>
+            <a:ext cx="9540240" cy="345368"/>
+          </a:xfrm>
+        </p:spPr>
+        <p:txBody>
+          <a:bodyPr anchor="t"/>
+          <a:lstStyle/>
+          <a:p>
+            <a:pPr algn="ctr">
+              <a:spcAft>
+                <a:spcPts val="0"/>
+              </a:spcAft>
+              <a:defRPr sz="2000"/>
+            </a:pPr>
+            <a:r>
+              <a:t>Benefits of D🫰D Adventurers League</a:t>
+            </a:r>
+          </a:p>
+        </p:txBody>
+      </p:sp>
+      <p:sp>
+        <p:nvSpPr>
+          <p:cNvPr id="3" name="Text Placeholder 2"/>
+          <p:cNvSpPr>
+            <a:spLocks noGrp="1"/>
+          </p:cNvSpPr>
+          <p:nvPr>
+            <p:ph type="body" idx="1" sz="half"/>
+          </p:nvPr>
+        </p:nvSpPr>
+        <p:spPr>
+          <a:xfrm>
+            <a:off x="182880" y="2314376"/>
+            <a:ext cx="9540240" cy="4177864"/>
+          </a:xfrm>
+          <a:noFill/>
+        </p:spPr>
+        <p:txBody>
+          <a:bodyPr>
+            <a:normAutofit/>
+          </a:bodyPr>
+          <a:lstStyle/>
+          <a:p>
+            <a:pPr>
+              <a:defRPr sz="1800"/>
+            </a:pPr>
+            <a:r>
+              <a:t>Builds community and connection among players</a:t>
+            </a:r>
+          </a:p>
+          <a:p>
+            <a:pPr>
+              <a:defRPr sz="1800"/>
+            </a:pPr>
+            <a:r>
+              <a:t>Promotes inclusivity and diversity</a:t>
+            </a:r>
+          </a:p>
+          <a:p>
+            <a:pPr>
+              <a:defRPr sz="1800"/>
+            </a:pPr>
+            <a:r>
+              <a:t>Encourages teamwork and cooperation</a:t>
             </a:r>
           </a:p>
         </p:txBody>
@@ -3274,7 +3526,7 @@
               <a:defRPr sz="4000"/>
             </a:pPr>
             <a:r>
-              <a:t>Impact on Renewal of Interest</a:t>
+              <a:t>Impact on the Renewal of Interest in D🫰D</a:t>
             </a:r>
           </a:p>
         </p:txBody>
@@ -3298,7 +3550,7 @@
               <a:defRPr sz="2800"/>
             </a:pPr>
             <a:r>
-              <a:t>░░░░░░░░░░░░░░░░░░░░░░░░░</a:t>
+              <a:t>How D&amp;D Adventurers League revitalized the game</a:t>
             </a:r>
           </a:p>
         </p:txBody>

--- a/temp/test_output_option_5.pptx
+++ b/temp/test_output_option_5.pptx
@@ -15,27 +15,20 @@
     <p:sldId id="261" r:id="rId13"/>
     <p:sldId id="262" r:id="rId14"/>
     <p:sldId id="263" r:id="rId15"/>
-    <p:sldId id="264" r:id="rId16"/>
-    <p:sldId id="265" r:id="rId17"/>
   </p:sldIdLst>
   <p:sldSz cx="9906000" cy="6858000"/>
   <p:notesSz cx="6858000" cy="9144000"/>
   <p:extLst>
     <p:ext uri="{521415D9-36F7-43E2-AB2F-B90AF26B5E84}">
       <p14:sectionLst xmlns:p14="http://schemas.microsoft.com/office/powerpoint/2010/main">
-        <p14:section name="What is Dungeons And Dragons" id="{3C6C907E-052A-4105-B899-56A8F214E79E}">
+        <p14:section name="What is Dungeons And Dragons" id="{5AFCE455-F710-4F84-B086-02CA35A3BF2A}">
           <p14:sldIdLst>
             <p14:sldId id="258"/>
           </p14:sldIdLst>
         </p14:section>
-        <p14:section name="What is DD Adventurers League" id="{E2BFE927-F99A-4845-8220-F98345A28D18}">
+        <p14:section name="Overview" id="{937067D7-687F-4FE0-AD4D-27929F7A1598}">
           <p14:sldIdLst>
-            <p14:sldId id="262"/>
-          </p14:sldIdLst>
-        </p14:section>
-        <p14:section name="Impact on the Renewal of Interest in DD" id="{5B513EE4-0852-48EF-9B31-5F770DC38330}">
-          <p14:sldIdLst>
-            <p14:sldId id="264"/>
+            <p14:sldId id="261"/>
           </p14:sldIdLst>
         </p14:section>
       </p14:sectionLst>
@@ -845,114 +838,6 @@
 </file>
 
 <file path=ppt/notesSlides/notesSlide7.xml><?xml version="1.0" encoding="utf-8"?>
-<p:notes xmlns:a="http://schemas.openxmlformats.org/drawingml/2006/main" xmlns:p="http://schemas.openxmlformats.org/presentationml/2006/main" xmlns:r="http://schemas.openxmlformats.org/officeDocument/2006/relationships">
-  <p:cSld>
-    <p:spTree>
-      <p:nvGrpSpPr>
-        <p:cNvPr id="1" name=""/>
-        <p:cNvGrpSpPr/>
-        <p:nvPr/>
-      </p:nvGrpSpPr>
-      <p:grpSpPr>
-        <a:xfrm>
-          <a:off x="0" y="0"/>
-          <a:ext cx="0" cy="0"/>
-          <a:chOff x="0" y="0"/>
-          <a:chExt cx="0" cy="0"/>
-        </a:xfrm>
-      </p:grpSpPr>
-      <p:sp>
-        <p:nvSpPr>
-          <p:cNvPr id="2" name="Slide Image Placeholder 1"/>
-          <p:cNvSpPr>
-            <a:spLocks noGrp="1"/>
-          </p:cNvSpPr>
-          <p:nvPr>
-            <p:ph type="sldImg"/>
-          </p:nvPr>
-        </p:nvSpPr>
-        <p:spPr/>
-      </p:sp>
-      <p:sp>
-        <p:nvSpPr>
-          <p:cNvPr id="3" name="Notes Placeholder 2"/>
-          <p:cNvSpPr>
-            <a:spLocks noGrp="1"/>
-          </p:cNvSpPr>
-          <p:nvPr>
-            <p:ph type="body" idx="1" sz="quarter"/>
-          </p:nvPr>
-        </p:nvSpPr>
-        <p:spPr/>
-        <p:txBody>
-          <a:bodyPr/>
-          <a:lstStyle/>
-          <a:p/>
-        </p:txBody>
-      </p:sp>
-    </p:spTree>
-  </p:cSld>
-  <p:clrMapOvr>
-    <a:masterClrMapping/>
-  </p:clrMapOvr>
-</p:notes>
-</file>
-
-<file path=ppt/notesSlides/notesSlide8.xml><?xml version="1.0" encoding="utf-8"?>
-<p:notes xmlns:a="http://schemas.openxmlformats.org/drawingml/2006/main" xmlns:p="http://schemas.openxmlformats.org/presentationml/2006/main" xmlns:r="http://schemas.openxmlformats.org/officeDocument/2006/relationships">
-  <p:cSld>
-    <p:spTree>
-      <p:nvGrpSpPr>
-        <p:cNvPr id="1" name=""/>
-        <p:cNvGrpSpPr/>
-        <p:nvPr/>
-      </p:nvGrpSpPr>
-      <p:grpSpPr>
-        <a:xfrm>
-          <a:off x="0" y="0"/>
-          <a:ext cx="0" cy="0"/>
-          <a:chOff x="0" y="0"/>
-          <a:chExt cx="0" cy="0"/>
-        </a:xfrm>
-      </p:grpSpPr>
-      <p:sp>
-        <p:nvSpPr>
-          <p:cNvPr id="2" name="Slide Image Placeholder 1"/>
-          <p:cNvSpPr>
-            <a:spLocks noGrp="1"/>
-          </p:cNvSpPr>
-          <p:nvPr>
-            <p:ph type="sldImg"/>
-          </p:nvPr>
-        </p:nvSpPr>
-        <p:spPr/>
-      </p:sp>
-      <p:sp>
-        <p:nvSpPr>
-          <p:cNvPr id="3" name="Notes Placeholder 2"/>
-          <p:cNvSpPr>
-            <a:spLocks noGrp="1"/>
-          </p:cNvSpPr>
-          <p:nvPr>
-            <p:ph type="body" idx="1" sz="quarter"/>
-          </p:nvPr>
-        </p:nvSpPr>
-        <p:spPr/>
-        <p:txBody>
-          <a:bodyPr/>
-          <a:lstStyle/>
-          <a:p/>
-        </p:txBody>
-      </p:sp>
-    </p:spTree>
-  </p:cSld>
-  <p:clrMapOvr>
-    <a:masterClrMapping/>
-  </p:clrMapOvr>
-</p:notes>
-</file>
-
-<file path=ppt/notesSlides/notesSlide9.xml><?xml version="1.0" encoding="utf-8"?>
 <p:notes xmlns:a="http://schemas.openxmlformats.org/drawingml/2006/main" xmlns:p="http://schemas.openxmlformats.org/presentationml/2006/main" xmlns:r="http://schemas.openxmlformats.org/officeDocument/2006/relationships">
   <p:cSld>
     <p:spTree>
@@ -2601,7 +2486,139 @@
 </p:sldMaster>
 </file>
 
-<file path=ppt/slides/slide10.xml><?xml version="1.0" encoding="utf-8"?>
+<file path=ppt/slides/slide2.xml><?xml version="1.0" encoding="utf-8"?>
+<p:sld xmlns:a="http://schemas.openxmlformats.org/drawingml/2006/main" xmlns:p="http://schemas.openxmlformats.org/presentationml/2006/main" xmlns:r="http://schemas.openxmlformats.org/officeDocument/2006/relationships">
+  <p:cSld>
+    <p:spTree>
+      <p:nvGrpSpPr>
+        <p:cNvPr id="1" name=""/>
+        <p:cNvGrpSpPr/>
+        <p:nvPr/>
+      </p:nvGrpSpPr>
+      <p:grpSpPr/>
+      <p:sp>
+        <p:nvSpPr>
+          <p:cNvPr id="2" name="Title 1"/>
+          <p:cNvSpPr>
+            <a:spLocks noGrp="1"/>
+          </p:cNvSpPr>
+          <p:nvPr>
+            <p:ph type="title"/>
+          </p:nvPr>
+        </p:nvSpPr>
+        <p:spPr/>
+        <p:txBody>
+          <a:bodyPr/>
+          <a:lstStyle/>
+          <a:p>
+            <a:pPr>
+              <a:defRPr sz="4000"/>
+            </a:pPr>
+            <a:r>
+              <a:t>Dungeons And Dragons</a:t>
+            </a:r>
+          </a:p>
+        </p:txBody>
+      </p:sp>
+      <p:sp>
+        <p:nvSpPr>
+          <p:cNvPr id="3" name="Text Placeholder 2"/>
+          <p:cNvSpPr>
+            <a:spLocks noGrp="1"/>
+          </p:cNvSpPr>
+          <p:nvPr>
+            <p:ph type="body" idx="1" sz="half"/>
+          </p:nvPr>
+        </p:nvSpPr>
+        <p:spPr/>
+        <p:txBody>
+          <a:bodyPr/>
+          <a:lstStyle/>
+          <a:p>
+            <a:pPr>
+              <a:defRPr sz="2800"/>
+            </a:pPr>
+            <a:r>
+              <a:t>An Introduction to the Popular Tabletop Role-Playing Game</a:t>
+            </a:r>
+          </a:p>
+        </p:txBody>
+      </p:sp>
+    </p:spTree>
+  </p:cSld>
+  <p:clrMapOvr>
+    <a:masterClrMapping/>
+  </p:clrMapOvr>
+</p:sld>
+</file>
+
+<file path=ppt/slides/slide3.xml><?xml version="1.0" encoding="utf-8"?>
+<p:sld xmlns:a="http://schemas.openxmlformats.org/drawingml/2006/main" xmlns:p="http://schemas.openxmlformats.org/presentationml/2006/main" xmlns:r="http://schemas.openxmlformats.org/officeDocument/2006/relationships">
+  <p:cSld>
+    <p:spTree>
+      <p:nvGrpSpPr>
+        <p:cNvPr id="1" name=""/>
+        <p:cNvGrpSpPr/>
+        <p:nvPr/>
+      </p:nvGrpSpPr>
+      <p:grpSpPr/>
+      <p:sp>
+        <p:nvSpPr>
+          <p:cNvPr id="2" name="Title 1"/>
+          <p:cNvSpPr>
+            <a:spLocks noGrp="1"/>
+          </p:cNvSpPr>
+          <p:nvPr>
+            <p:ph type="title"/>
+          </p:nvPr>
+        </p:nvSpPr>
+        <p:spPr/>
+        <p:txBody>
+          <a:bodyPr/>
+          <a:lstStyle/>
+          <a:p>
+            <a:pPr>
+              <a:defRPr sz="4000"/>
+            </a:pPr>
+            <a:r>
+              <a:t>What is Dungeons And Dragons?</a:t>
+            </a:r>
+          </a:p>
+        </p:txBody>
+      </p:sp>
+      <p:sp>
+        <p:nvSpPr>
+          <p:cNvPr id="3" name="Text Placeholder 2"/>
+          <p:cNvSpPr>
+            <a:spLocks noGrp="1"/>
+          </p:cNvSpPr>
+          <p:nvPr>
+            <p:ph type="body" idx="1"/>
+          </p:nvPr>
+        </p:nvSpPr>
+        <p:spPr/>
+        <p:txBody>
+          <a:bodyPr/>
+          <a:lstStyle/>
+          <a:p>
+            <a:pPr>
+              <a:defRPr sz="2800"/>
+            </a:pPr>
+            <a:r>
+              <a:t>A Brief Overview</a:t>
+            </a:r>
+          </a:p>
+        </p:txBody>
+      </p:sp>
+    </p:spTree>
+  </p:cSld>
+  <p:clrMapOvr>
+    <a:masterClrMapping/>
+  </p:clrMapOvr>
+</p:sld>
+</file>
+
+<file path=ppt/slides/slide4.xml><?xml version="1.0" encoding="utf-8"?>
 <p:sld xmlns:a="http://schemas.openxmlformats.org/drawingml/2006/main" xmlns:p="http://schemas.openxmlformats.org/presentationml/2006/main" xmlns:r="http://schemas.openxmlformats.org/officeDocument/2006/relationships">
   <p:cSld>
     <p:spTree>
@@ -2680,7 +2697,7 @@
               <a:defRPr sz="3000"/>
             </a:pPr>
             <a:r>
-              <a:t>Factors Contributing to Renewal</a:t>
+              <a:t>Key Points</a:t>
             </a:r>
           </a:p>
         </p:txBody>
@@ -2711,7 +2728,7 @@
               <a:defRPr sz="1800"/>
             </a:pPr>
             <a:r>
-              <a:t>Increased accessibility for new players</a:t>
+              <a:t>Dungeons &amp; Dragons (D&amp;D) is a fantasy tabletop role-playing game (RPG)</a:t>
             </a:r>
           </a:p>
           <a:p>
@@ -2719,7 +2736,7 @@
               <a:defRPr sz="1800"/>
             </a:pPr>
             <a:r>
-              <a:t>Engaging organized play events and conventions</a:t>
+              <a:t>Players create characters and embark on adventures guided by a Dungeon Master (DM)</a:t>
             </a:r>
           </a:p>
           <a:p>
@@ -2727,7 +2744,7 @@
               <a:defRPr sz="1800"/>
             </a:pPr>
             <a:r>
-              <a:t>Continuously evolving storylines and content</a:t>
+              <a:t>It involves storytelling, exploration, and combat using dice rolls to determine outcomes</a:t>
             </a:r>
           </a:p>
         </p:txBody>
@@ -2759,7 +2776,7 @@
               <a:defRPr sz="2000"/>
             </a:pPr>
             <a:r>
-              <a:t>Community Testimonials</a:t>
+              <a:t>Gameplay</a:t>
             </a:r>
           </a:p>
         </p:txBody>
@@ -2791,7 +2808,7 @@
               <a:defRPr sz="1800"/>
             </a:pPr>
             <a:r>
-              <a:t>Positive impact on player engagement and retention</a:t>
+              <a:t>Character creation involves choosing races, classes, and abilities</a:t>
             </a:r>
           </a:p>
           <a:p>
@@ -2799,244 +2816,7 @@
               <a:defRPr sz="1800"/>
             </a:pPr>
             <a:r>
-              <a:t>Fostering a sense of belonging in gaming communities</a:t>
-            </a:r>
-          </a:p>
-          <a:p>
-            <a:pPr>
-              <a:defRPr sz="1800"/>
-            </a:pPr>
-            <a:r>
-              <a:t>Inspiring creative storytelling and role-playing</a:t>
-            </a:r>
-          </a:p>
-        </p:txBody>
-      </p:sp>
-    </p:spTree>
-  </p:cSld>
-  <p:clrMapOvr>
-    <a:masterClrMapping/>
-  </p:clrMapOvr>
-</p:sld>
-</file>
-
-<file path=ppt/slides/slide2.xml><?xml version="1.0" encoding="utf-8"?>
-<p:sld xmlns:a="http://schemas.openxmlformats.org/drawingml/2006/main" xmlns:p="http://schemas.openxmlformats.org/presentationml/2006/main" xmlns:r="http://schemas.openxmlformats.org/officeDocument/2006/relationships">
-  <p:cSld>
-    <p:spTree>
-      <p:nvGrpSpPr>
-        <p:cNvPr id="1" name=""/>
-        <p:cNvGrpSpPr/>
-        <p:nvPr/>
-      </p:nvGrpSpPr>
-      <p:grpSpPr/>
-      <p:sp>
-        <p:nvSpPr>
-          <p:cNvPr id="2" name="Title 1"/>
-          <p:cNvSpPr>
-            <a:spLocks noGrp="1"/>
-          </p:cNvSpPr>
-          <p:nvPr>
-            <p:ph type="title"/>
-          </p:nvPr>
-        </p:nvSpPr>
-        <p:spPr/>
-        <p:txBody>
-          <a:bodyPr/>
-          <a:lstStyle/>
-          <a:p>
-            <a:pPr>
-              <a:defRPr sz="4000"/>
-            </a:pPr>
-            <a:r>
-              <a:t>Dungeons And Dragons</a:t>
-            </a:r>
-          </a:p>
-        </p:txBody>
-      </p:sp>
-      <p:sp>
-        <p:nvSpPr>
-          <p:cNvPr id="3" name="Text Placeholder 2"/>
-          <p:cNvSpPr>
-            <a:spLocks noGrp="1"/>
-          </p:cNvSpPr>
-          <p:nvPr>
-            <p:ph type="body" idx="1" sz="half"/>
-          </p:nvPr>
-        </p:nvSpPr>
-        <p:spPr/>
-        <p:txBody>
-          <a:bodyPr/>
-          <a:lstStyle/>
-          <a:p>
-            <a:pPr>
-              <a:defRPr sz="2800"/>
-            </a:pPr>
-            <a:r>
-              <a:t>A fantasy tabletop role-playing game</a:t>
-            </a:r>
-          </a:p>
-        </p:txBody>
-      </p:sp>
-    </p:spTree>
-  </p:cSld>
-  <p:clrMapOvr>
-    <a:masterClrMapping/>
-  </p:clrMapOvr>
-</p:sld>
-</file>
-
-<file path=ppt/slides/slide3.xml><?xml version="1.0" encoding="utf-8"?>
-<p:sld xmlns:a="http://schemas.openxmlformats.org/drawingml/2006/main" xmlns:p="http://schemas.openxmlformats.org/presentationml/2006/main" xmlns:r="http://schemas.openxmlformats.org/officeDocument/2006/relationships">
-  <p:cSld>
-    <p:spTree>
-      <p:nvGrpSpPr>
-        <p:cNvPr id="1" name=""/>
-        <p:cNvGrpSpPr/>
-        <p:nvPr/>
-      </p:nvGrpSpPr>
-      <p:grpSpPr/>
-      <p:sp>
-        <p:nvSpPr>
-          <p:cNvPr id="2" name="Title 1"/>
-          <p:cNvSpPr>
-            <a:spLocks noGrp="1"/>
-          </p:cNvSpPr>
-          <p:nvPr>
-            <p:ph type="title"/>
-          </p:nvPr>
-        </p:nvSpPr>
-        <p:spPr/>
-        <p:txBody>
-          <a:bodyPr/>
-          <a:lstStyle/>
-          <a:p>
-            <a:pPr>
-              <a:defRPr sz="4000"/>
-            </a:pPr>
-            <a:r>
-              <a:t>What is Dungeons And Dragons?</a:t>
-            </a:r>
-          </a:p>
-        </p:txBody>
-      </p:sp>
-      <p:sp>
-        <p:nvSpPr>
-          <p:cNvPr id="3" name="Text Placeholder 2"/>
-          <p:cNvSpPr>
-            <a:spLocks noGrp="1"/>
-          </p:cNvSpPr>
-          <p:nvPr>
-            <p:ph type="body" idx="1"/>
-          </p:nvPr>
-        </p:nvSpPr>
-        <p:spPr/>
-        <p:txBody>
-          <a:bodyPr/>
-          <a:lstStyle/>
-          <a:p>
-            <a:pPr>
-              <a:defRPr sz="2800"/>
-            </a:pPr>
-            <a:r>
-              <a:t>D&amp;D is a collaborative storytelling game set in a fantasy world</a:t>
-            </a:r>
-          </a:p>
-        </p:txBody>
-      </p:sp>
-    </p:spTree>
-  </p:cSld>
-  <p:clrMapOvr>
-    <a:masterClrMapping/>
-  </p:clrMapOvr>
-</p:sld>
-</file>
-
-<file path=ppt/slides/slide4.xml><?xml version="1.0" encoding="utf-8"?>
-<p:sld xmlns:a="http://schemas.openxmlformats.org/drawingml/2006/main" xmlns:p="http://schemas.openxmlformats.org/presentationml/2006/main" xmlns:r="http://schemas.openxmlformats.org/officeDocument/2006/relationships">
-  <p:cSld>
-    <p:spTree>
-      <p:nvGrpSpPr>
-        <p:cNvPr id="1" name=""/>
-        <p:cNvGrpSpPr/>
-        <p:nvPr/>
-      </p:nvGrpSpPr>
-      <p:grpSpPr/>
-      <p:sp>
-        <p:nvSpPr>
-          <p:cNvPr id="2" name="Title 1"/>
-          <p:cNvSpPr>
-            <a:spLocks noGrp="1"/>
-          </p:cNvSpPr>
-          <p:nvPr>
-            <p:ph type="title"/>
-          </p:nvPr>
-        </p:nvSpPr>
-        <p:spPr>
-          <a:xfrm>
-            <a:off x="182880" y="182880"/>
-            <a:ext cx="9540240" cy="381000"/>
-          </a:xfrm>
-        </p:spPr>
-        <p:txBody>
-          <a:bodyPr anchor="t"/>
-          <a:lstStyle/>
-          <a:p>
-            <a:pPr algn="l">
-              <a:spcAft>
-                <a:spcPts val="0"/>
-              </a:spcAft>
-              <a:defRPr sz="3000"/>
-            </a:pPr>
-            <a:r>
-              <a:t>Key Features</a:t>
-            </a:r>
-          </a:p>
-        </p:txBody>
-      </p:sp>
-      <p:sp>
-        <p:nvSpPr>
-          <p:cNvPr id="3" name="Text Placeholder 2"/>
-          <p:cNvSpPr>
-            <a:spLocks noGrp="1"/>
-          </p:cNvSpPr>
-          <p:nvPr>
-            <p:ph type="body" idx="1" sz="half"/>
-          </p:nvPr>
-        </p:nvSpPr>
-        <p:spPr>
-          <a:xfrm>
-            <a:off x="182880" y="838200"/>
-            <a:ext cx="9540240" cy="5654040"/>
-          </a:xfrm>
-        </p:spPr>
-        <p:txBody>
-          <a:bodyPr>
-            <a:normAutofit/>
-          </a:bodyPr>
-          <a:lstStyle/>
-          <a:p>
-            <a:pPr>
-              <a:defRPr sz="1800"/>
-            </a:pPr>
-            <a:r>
-              <a:t>Players create characters with unique abilities</a:t>
-            </a:r>
-          </a:p>
-          <a:p>
-            <a:pPr>
-              <a:defRPr sz="1800"/>
-            </a:pPr>
-            <a:r>
-              <a:t>Game Master guides the narrative and controls the world</a:t>
-            </a:r>
-          </a:p>
-          <a:p>
-            <a:pPr>
-              <a:defRPr sz="1800"/>
-            </a:pPr>
-            <a:r>
-              <a:t>Uses dice rolls to determine outcomes</a:t>
+              <a:t>Players collaborate to solve puzzles, battle monsters, and complete quests</a:t>
             </a:r>
           </a:p>
         </p:txBody>
@@ -3069,24 +2849,16 @@
             <p:ph type="title"/>
           </p:nvPr>
         </p:nvSpPr>
-        <p:spPr>
-          <a:xfrm>
-            <a:off x="182880" y="182880"/>
-            <a:ext cx="9540240" cy="381000"/>
-          </a:xfrm>
-        </p:spPr>
+        <p:spPr/>
         <p:txBody>
-          <a:bodyPr anchor="t"/>
+          <a:bodyPr/>
           <a:lstStyle/>
           <a:p>
-            <a:pPr algn="l">
-              <a:spcAft>
-                <a:spcPts val="0"/>
-              </a:spcAft>
-              <a:defRPr sz="3000"/>
+            <a:pPr>
+              <a:defRPr sz="4000"/>
             </a:pPr>
             <a:r>
-              <a:t>Gameplay</a:t>
+              <a:t>Dungeons And Dragons Adventurers League</a:t>
             </a:r>
           </a:p>
         </p:txBody>
@@ -3101,39 +2873,16 @@
             <p:ph type="body" idx="1" sz="half"/>
           </p:nvPr>
         </p:nvSpPr>
-        <p:spPr>
-          <a:xfrm>
-            <a:off x="182880" y="838200"/>
-            <a:ext cx="9540240" cy="5654040"/>
-          </a:xfrm>
-        </p:spPr>
+        <p:spPr/>
         <p:txBody>
-          <a:bodyPr>
-            <a:normAutofit/>
-          </a:bodyPr>
+          <a:bodyPr/>
           <a:lstStyle/>
           <a:p>
             <a:pPr>
-              <a:defRPr sz="1800"/>
+              <a:defRPr sz="2800"/>
             </a:pPr>
             <a:r>
-              <a:t>Players interact with the world through role-playing</a:t>
-            </a:r>
-          </a:p>
-          <a:p>
-            <a:pPr>
-              <a:defRPr sz="1800"/>
-            </a:pPr>
-            <a:r>
-              <a:t>Combat is resolved using dice rolls and character abilities</a:t>
-            </a:r>
-          </a:p>
-          <a:p>
-            <a:pPr>
-              <a:defRPr sz="1800"/>
-            </a:pPr>
-            <a:r>
-              <a:t>Collaborative storytelling creates immersive adventures</a:t>
+              <a:t>Renewal of Interest in the Game</a:t>
             </a:r>
           </a:p>
         </p:txBody>
@@ -3175,7 +2924,7 @@
               <a:defRPr sz="4000"/>
             </a:pPr>
             <a:r>
-              <a:t>Dungeons And Dragons Adventurers League</a:t>
+              <a:t>Overview</a:t>
             </a:r>
           </a:p>
         </p:txBody>
@@ -3187,7 +2936,7 @@
             <a:spLocks noGrp="1"/>
           </p:cNvSpPr>
           <p:nvPr>
-            <p:ph type="body" idx="1" sz="half"/>
+            <p:ph type="body" idx="1"/>
           </p:nvPr>
         </p:nvSpPr>
         <p:spPr/>
@@ -3199,7 +2948,7 @@
               <a:defRPr sz="2800"/>
             </a:pPr>
             <a:r>
-              <a:t>Contribution to the renewal of interest in the game</a:t>
+              <a:t>░░░░░░░░░░░░░░░░░░░░░░░░░</a:t>
             </a:r>
           </a:p>
         </p:txBody>
@@ -3232,13 +2981,21 @@
             <p:ph type="title"/>
           </p:nvPr>
         </p:nvSpPr>
-        <p:spPr/>
+        <p:spPr>
+          <a:xfrm>
+            <a:off x="182880" y="182880"/>
+            <a:ext cx="9540240" cy="381000"/>
+          </a:xfrm>
+        </p:spPr>
         <p:txBody>
-          <a:bodyPr/>
+          <a:bodyPr anchor="t"/>
           <a:lstStyle/>
           <a:p>
-            <a:pPr>
-              <a:defRPr sz="4000"/>
+            <a:pPr algn="l">
+              <a:spcAft>
+                <a:spcPts val="0"/>
+              </a:spcAft>
+              <a:defRPr sz="3000"/>
             </a:pPr>
             <a:r>
               <a:t>What is D🫰D Adventurers League?</a:t>
@@ -3253,19 +3010,42 @@
             <a:spLocks noGrp="1"/>
           </p:cNvSpPr>
           <p:nvPr>
-            <p:ph type="body" idx="1"/>
+            <p:ph type="body" idx="1" sz="half"/>
           </p:nvPr>
         </p:nvSpPr>
-        <p:spPr/>
+        <p:spPr>
+          <a:xfrm>
+            <a:off x="182880" y="838200"/>
+            <a:ext cx="9540240" cy="5654040"/>
+          </a:xfrm>
+        </p:spPr>
         <p:txBody>
-          <a:bodyPr/>
+          <a:bodyPr>
+            <a:normAutofit/>
+          </a:bodyPr>
           <a:lstStyle/>
           <a:p>
             <a:pPr>
-              <a:defRPr sz="2800"/>
+              <a:defRPr sz="1800"/>
             </a:pPr>
             <a:r>
-              <a:t>An organized play program for Dungeons &amp; Dragons</a:t>
+              <a:t>Organized play program for Dungeons &amp; Dragons</a:t>
+            </a:r>
+          </a:p>
+          <a:p>
+            <a:pPr>
+              <a:defRPr sz="1800"/>
+            </a:pPr>
+            <a:r>
+              <a:t>Standardized rules for public play</a:t>
+            </a:r>
+          </a:p>
+          <a:p>
+            <a:pPr>
+              <a:defRPr sz="1800"/>
+            </a:pPr>
+            <a:r>
+              <a:t>Accessible and inclusive for all players</a:t>
             </a:r>
           </a:p>
         </p:txBody>
@@ -3357,7 +3137,7 @@
               <a:defRPr sz="3000"/>
             </a:pPr>
             <a:r>
-              <a:t>Key Elements of D🫰D Adventurers League</a:t>
+              <a:t>How Did It Contribute to Renewal?</a:t>
             </a:r>
           </a:p>
         </p:txBody>
@@ -3388,7 +3168,7 @@
               <a:defRPr sz="1800"/>
             </a:pPr>
             <a:r>
-              <a:t>Structured campaign with shared storylines</a:t>
+              <a:t>Community-building through local game stores</a:t>
             </a:r>
           </a:p>
           <a:p>
@@ -3396,7 +3176,7 @@
               <a:defRPr sz="1800"/>
             </a:pPr>
             <a:r>
-              <a:t>Official D&amp;D play supported by Wizards of the Coast</a:t>
+              <a:t>Engagement with players of all experience levels</a:t>
             </a:r>
           </a:p>
           <a:p>
@@ -3404,7 +3184,7 @@
               <a:defRPr sz="1800"/>
             </a:pPr>
             <a:r>
-              <a:t>Accessible to all players and DMs</a:t>
+              <a:t>Incorporation of official D&amp;D storylines</a:t>
             </a:r>
           </a:p>
         </p:txBody>
@@ -3436,7 +3216,7 @@
               <a:defRPr sz="2000"/>
             </a:pPr>
             <a:r>
-              <a:t>Benefits of D🫰D Adventurers League</a:t>
+              <a:t>Impact</a:t>
             </a:r>
           </a:p>
         </p:txBody>
@@ -3468,7 +3248,7 @@
               <a:defRPr sz="1800"/>
             </a:pPr>
             <a:r>
-              <a:t>Builds community and connection among players</a:t>
+              <a:t>Increased player engagement and retention</a:t>
             </a:r>
           </a:p>
           <a:p>
@@ -3476,7 +3256,7 @@
               <a:defRPr sz="1800"/>
             </a:pPr>
             <a:r>
-              <a:t>Promotes inclusivity and diversity</a:t>
+              <a:t>Expansion of game reach to new audiences</a:t>
             </a:r>
           </a:p>
           <a:p>
@@ -3484,73 +3264,7 @@
               <a:defRPr sz="1800"/>
             </a:pPr>
             <a:r>
-              <a:t>Encourages teamwork and cooperation</a:t>
-            </a:r>
-          </a:p>
-        </p:txBody>
-      </p:sp>
-    </p:spTree>
-  </p:cSld>
-  <p:clrMapOvr>
-    <a:masterClrMapping/>
-  </p:clrMapOvr>
-</p:sld>
-</file>
-
-<file path=ppt/slides/slide9.xml><?xml version="1.0" encoding="utf-8"?>
-<p:sld xmlns:a="http://schemas.openxmlformats.org/drawingml/2006/main" xmlns:p="http://schemas.openxmlformats.org/presentationml/2006/main" xmlns:r="http://schemas.openxmlformats.org/officeDocument/2006/relationships">
-  <p:cSld>
-    <p:spTree>
-      <p:nvGrpSpPr>
-        <p:cNvPr id="1" name=""/>
-        <p:cNvGrpSpPr/>
-        <p:nvPr/>
-      </p:nvGrpSpPr>
-      <p:grpSpPr/>
-      <p:sp>
-        <p:nvSpPr>
-          <p:cNvPr id="2" name="Title 1"/>
-          <p:cNvSpPr>
-            <a:spLocks noGrp="1"/>
-          </p:cNvSpPr>
-          <p:nvPr>
-            <p:ph type="title"/>
-          </p:nvPr>
-        </p:nvSpPr>
-        <p:spPr/>
-        <p:txBody>
-          <a:bodyPr/>
-          <a:lstStyle/>
-          <a:p>
-            <a:pPr>
-              <a:defRPr sz="4000"/>
-            </a:pPr>
-            <a:r>
-              <a:t>Impact on the Renewal of Interest in D🫰D</a:t>
-            </a:r>
-          </a:p>
-        </p:txBody>
-      </p:sp>
-      <p:sp>
-        <p:nvSpPr>
-          <p:cNvPr id="3" name="Text Placeholder 2"/>
-          <p:cNvSpPr>
-            <a:spLocks noGrp="1"/>
-          </p:cNvSpPr>
-          <p:nvPr>
-            <p:ph type="body" idx="1"/>
-          </p:nvPr>
-        </p:nvSpPr>
-        <p:spPr/>
-        <p:txBody>
-          <a:bodyPr/>
-          <a:lstStyle/>
-          <a:p>
-            <a:pPr>
-              <a:defRPr sz="2800"/>
-            </a:pPr>
-            <a:r>
-              <a:t>How D&amp;D Adventurers League revitalized the game</a:t>
+              <a:t>Promotion of social interaction and storytelling</a:t>
             </a:r>
           </a:p>
         </p:txBody>
